--- a/latex/progress/slides-iwsmith-laulck-yeaseul1.pptx
+++ b/latex/progress/slides-iwsmith-laulck-yeaseul1.pptx
@@ -8,10 +8,13 @@
     <p:sldId id="256" r:id="rId2"/>
     <p:sldId id="257" r:id="rId3"/>
     <p:sldId id="258" r:id="rId4"/>
-    <p:sldId id="259" r:id="rId5"/>
-    <p:sldId id="260" r:id="rId6"/>
-    <p:sldId id="261" r:id="rId7"/>
-    <p:sldId id="262" r:id="rId8"/>
+    <p:sldId id="263" r:id="rId5"/>
+    <p:sldId id="268" r:id="rId6"/>
+    <p:sldId id="269" r:id="rId7"/>
+    <p:sldId id="267" r:id="rId8"/>
+    <p:sldId id="260" r:id="rId9"/>
+    <p:sldId id="261" r:id="rId10"/>
+    <p:sldId id="262" r:id="rId11"/>
   </p:sldIdLst>
   <p:sldSz cx="9144000" cy="6858000" type="screen4x3"/>
   <p:notesSz cx="6858000" cy="9144000"/>
@@ -3060,12 +3063,23 @@
             <p:ph type="ctrTitle"/>
           </p:nvPr>
         </p:nvSpPr>
-        <p:spPr/>
-        <p:txBody>
-          <a:bodyPr/>
-          <a:lstStyle/>
-          <a:p>
-            <a:endParaRPr lang="en-US" dirty="0"/>
+        <p:spPr>
+          <a:xfrm>
+            <a:off x="685800" y="1451974"/>
+            <a:ext cx="7772400" cy="2387600"/>
+          </a:xfrm>
+        </p:spPr>
+        <p:txBody>
+          <a:bodyPr>
+            <a:normAutofit/>
+          </a:bodyPr>
+          <a:lstStyle/>
+          <a:p>
+            <a:r>
+              <a:rPr lang="en-US" sz="5400" dirty="0" smtClean="0"/>
+              <a:t>Expectation Visualization</a:t>
+            </a:r>
+            <a:endParaRPr lang="en-US" sz="5400" dirty="0"/>
           </a:p>
         </p:txBody>
       </p:sp>
@@ -3079,12 +3093,51 @@
             <p:ph type="subTitle" idx="1"/>
           </p:nvPr>
         </p:nvSpPr>
-        <p:spPr/>
-        <p:txBody>
-          <a:bodyPr/>
-          <a:lstStyle/>
-          <a:p>
-            <a:endParaRPr lang="en-US"/>
+        <p:spPr>
+          <a:xfrm>
+            <a:off x="1143000" y="3931649"/>
+            <a:ext cx="6858000" cy="1655762"/>
+          </a:xfrm>
+        </p:spPr>
+        <p:txBody>
+          <a:bodyPr>
+            <a:normAutofit/>
+          </a:bodyPr>
+          <a:lstStyle/>
+          <a:p>
+            <a:r>
+              <a:rPr lang="en-US" sz="2000" dirty="0" smtClean="0"/>
+              <a:t>Ian</a:t>
+            </a:r>
+            <a:r>
+              <a:rPr lang="en-US" sz="2000" dirty="0" smtClean="0"/>
+              <a:t> Wesley-Smith, </a:t>
+            </a:r>
+            <a:r>
+              <a:rPr lang="en-US" sz="2000" dirty="0" err="1" smtClean="0"/>
+              <a:t>Lovenoor</a:t>
+            </a:r>
+            <a:r>
+              <a:rPr lang="en-US" sz="2000" dirty="0" smtClean="0"/>
+              <a:t> </a:t>
+            </a:r>
+            <a:r>
+              <a:rPr lang="en-US" sz="2000" dirty="0" err="1" smtClean="0"/>
+              <a:t>Aulck</a:t>
+            </a:r>
+            <a:r>
+              <a:rPr lang="en-US" sz="2000" dirty="0" smtClean="0"/>
+              <a:t>, Yea-</a:t>
+            </a:r>
+            <a:r>
+              <a:rPr lang="en-US" sz="2000" dirty="0" err="1" smtClean="0"/>
+              <a:t>Seul</a:t>
+            </a:r>
+            <a:r>
+              <a:rPr lang="en-US" sz="2000" dirty="0" smtClean="0"/>
+              <a:t> Kim</a:t>
+            </a:r>
+            <a:endParaRPr lang="en-US" sz="2000" dirty="0"/>
           </a:p>
         </p:txBody>
       </p:sp>
@@ -3098,6 +3151,88 @@
   <p:clrMapOvr>
     <a:masterClrMapping/>
   </p:clrMapOvr>
+  <p:timing>
+    <p:tnLst>
+      <p:par>
+        <p:cTn id="1" dur="indefinite" restart="never" nodeType="tmRoot"/>
+      </p:par>
+    </p:tnLst>
+  </p:timing>
+</p:sld>
+</file>
+
+<file path=ppt/slides/slide10.xml><?xml version="1.0" encoding="utf-8"?>
+<p:sld xmlns:a="http://schemas.openxmlformats.org/drawingml/2006/main" xmlns:r="http://schemas.openxmlformats.org/officeDocument/2006/relationships" xmlns:p="http://schemas.openxmlformats.org/presentationml/2006/main">
+  <p:cSld>
+    <p:spTree>
+      <p:nvGrpSpPr>
+        <p:cNvPr id="1" name=""/>
+        <p:cNvGrpSpPr/>
+        <p:nvPr/>
+      </p:nvGrpSpPr>
+      <p:grpSpPr>
+        <a:xfrm>
+          <a:off x="0" y="0"/>
+          <a:ext cx="0" cy="0"/>
+          <a:chOff x="0" y="0"/>
+          <a:chExt cx="0" cy="0"/>
+        </a:xfrm>
+      </p:grpSpPr>
+      <p:sp>
+        <p:nvSpPr>
+          <p:cNvPr id="2" name="Title 1"/>
+          <p:cNvSpPr>
+            <a:spLocks noGrp="1"/>
+          </p:cNvSpPr>
+          <p:nvPr>
+            <p:ph type="title"/>
+          </p:nvPr>
+        </p:nvSpPr>
+        <p:spPr/>
+        <p:txBody>
+          <a:bodyPr/>
+          <a:lstStyle/>
+          <a:p>
+            <a:endParaRPr lang="en-US"/>
+          </a:p>
+        </p:txBody>
+      </p:sp>
+      <p:sp>
+        <p:nvSpPr>
+          <p:cNvPr id="3" name="Content Placeholder 2"/>
+          <p:cNvSpPr>
+            <a:spLocks noGrp="1"/>
+          </p:cNvSpPr>
+          <p:nvPr>
+            <p:ph idx="1"/>
+          </p:nvPr>
+        </p:nvSpPr>
+        <p:spPr/>
+        <p:txBody>
+          <a:bodyPr/>
+          <a:lstStyle/>
+          <a:p>
+            <a:endParaRPr lang="en-US" dirty="0"/>
+          </a:p>
+        </p:txBody>
+      </p:sp>
+    </p:spTree>
+    <p:extLst>
+      <p:ext uri="{BB962C8B-B14F-4D97-AF65-F5344CB8AC3E}">
+        <p14:creationId xmlns:p14="http://schemas.microsoft.com/office/powerpoint/2010/main" val="1456831180"/>
+      </p:ext>
+    </p:extLst>
+  </p:cSld>
+  <p:clrMapOvr>
+    <a:masterClrMapping/>
+  </p:clrMapOvr>
+  <p:timing>
+    <p:tnLst>
+      <p:par>
+        <p:cTn id="1" dur="indefinite" restart="never" nodeType="tmRoot"/>
+      </p:par>
+    </p:tnLst>
+  </p:timing>
 </p:sld>
 </file>
 
@@ -3366,25 +3501,6 @@
       </p:grpSpPr>
       <p:sp>
         <p:nvSpPr>
-          <p:cNvPr id="2" name="Title 1"/>
-          <p:cNvSpPr>
-            <a:spLocks noGrp="1"/>
-          </p:cNvSpPr>
-          <p:nvPr>
-            <p:ph type="title"/>
-          </p:nvPr>
-        </p:nvSpPr>
-        <p:spPr/>
-        <p:txBody>
-          <a:bodyPr/>
-          <a:lstStyle/>
-          <a:p>
-            <a:endParaRPr lang="en-US"/>
-          </a:p>
-        </p:txBody>
-      </p:sp>
-      <p:sp>
-        <p:nvSpPr>
           <p:cNvPr id="3" name="Content Placeholder 2"/>
           <p:cNvSpPr>
             <a:spLocks noGrp="1"/>
@@ -3393,20 +3509,34 @@
             <p:ph idx="1"/>
           </p:nvPr>
         </p:nvSpPr>
-        <p:spPr/>
-        <p:txBody>
-          <a:bodyPr/>
-          <a:lstStyle/>
-          <a:p>
-            <a:r>
-              <a:rPr lang="en-US" b="1" dirty="0">
-                <a:latin typeface="Avenir Book" charset="0"/>
-                <a:ea typeface="Avenir Book" charset="0"/>
-                <a:cs typeface="Avenir Book" charset="0"/>
-              </a:rPr>
-              <a:t>A description of the problem</a:t>
-            </a:r>
-            <a:endParaRPr lang="en-US" dirty="0"/>
+        <p:spPr>
+          <a:xfrm>
+            <a:off x="350874" y="2474211"/>
+            <a:ext cx="8484782" cy="1789445"/>
+          </a:xfrm>
+        </p:spPr>
+        <p:txBody>
+          <a:bodyPr>
+            <a:noAutofit/>
+          </a:bodyPr>
+          <a:lstStyle/>
+          <a:p>
+            <a:pPr marL="0" indent="0" algn="ctr">
+              <a:buNone/>
+            </a:pPr>
+            <a:r>
+              <a:rPr lang="en-GB" sz="3600" i="1" dirty="0" smtClean="0"/>
+              <a:t>“What </a:t>
+            </a:r>
+            <a:r>
+              <a:rPr lang="en-GB" sz="3600" i="1" dirty="0"/>
+              <a:t>if visualizations allowed people to draw their expectations of the data prior to viewing? </a:t>
+            </a:r>
+            <a:r>
+              <a:rPr lang="en-GB" sz="3600" i="1" dirty="0" smtClean="0"/>
+              <a:t>“</a:t>
+            </a:r>
+            <a:endParaRPr lang="en-US" sz="3600" i="1" dirty="0"/>
           </a:p>
         </p:txBody>
       </p:sp>
@@ -3447,88 +3577,40 @@
           <a:chExt cx="0" cy="0"/>
         </a:xfrm>
       </p:grpSpPr>
-      <p:sp>
-        <p:nvSpPr>
-          <p:cNvPr id="2" name="Title 1"/>
-          <p:cNvSpPr>
-            <a:spLocks noGrp="1"/>
-          </p:cNvSpPr>
-          <p:nvPr>
-            <p:ph type="title"/>
-          </p:nvPr>
-        </p:nvSpPr>
-        <p:spPr/>
-        <p:txBody>
-          <a:bodyPr/>
-          <a:lstStyle/>
-          <a:p>
-            <a:endParaRPr lang="en-US"/>
-          </a:p>
-        </p:txBody>
-      </p:sp>
-      <p:sp>
-        <p:nvSpPr>
-          <p:cNvPr id="3" name="Content Placeholder 2"/>
-          <p:cNvSpPr>
-            <a:spLocks noGrp="1"/>
-          </p:cNvSpPr>
-          <p:nvPr>
-            <p:ph idx="1"/>
-          </p:nvPr>
-        </p:nvSpPr>
-        <p:spPr/>
-        <p:txBody>
-          <a:bodyPr/>
-          <a:lstStyle/>
-          <a:p>
-            <a:r>
-              <a:rPr lang="en-US" dirty="0">
-                <a:latin typeface="Avenir Book" charset="0"/>
-                <a:ea typeface="Avenir Book" charset="0"/>
-                <a:cs typeface="Avenir Book" charset="0"/>
-              </a:rPr>
-              <a:t>1-2 pieces of the most </a:t>
-            </a:r>
-            <a:r>
-              <a:rPr lang="en-US" b="1" dirty="0">
-                <a:latin typeface="Avenir Book" charset="0"/>
-                <a:ea typeface="Avenir Book" charset="0"/>
-                <a:cs typeface="Avenir Book" charset="0"/>
-              </a:rPr>
-              <a:t>relevant prior work</a:t>
-            </a:r>
-            <a:r>
-              <a:rPr lang="en-US" dirty="0">
-                <a:latin typeface="Avenir Book" charset="0"/>
-                <a:ea typeface="Avenir Book" charset="0"/>
-                <a:cs typeface="Avenir Book" charset="0"/>
-              </a:rPr>
-              <a:t>, and discuss </a:t>
-            </a:r>
-            <a:r>
-              <a:rPr lang="en-US" b="1" dirty="0">
-                <a:latin typeface="Avenir Book" charset="0"/>
-                <a:ea typeface="Avenir Book" charset="0"/>
-                <a:cs typeface="Avenir Book" charset="0"/>
-              </a:rPr>
-              <a:t>how your project is different</a:t>
-            </a:r>
-            <a:r>
-              <a:rPr lang="en-US" dirty="0">
-                <a:latin typeface="Avenir Book" charset="0"/>
-                <a:ea typeface="Avenir Book" charset="0"/>
-                <a:cs typeface="Avenir Book" charset="0"/>
-              </a:rPr>
-              <a:t>.</a:t>
-            </a:r>
-            <a:endParaRPr lang="en-US" dirty="0"/>
-          </a:p>
-        </p:txBody>
-      </p:sp>
+      <p:pic>
+        <p:nvPicPr>
+          <p:cNvPr id="5" name="Picture 4"/>
+          <p:cNvPicPr>
+            <a:picLocks noChangeAspect="1"/>
+          </p:cNvPicPr>
+          <p:nvPr/>
+        </p:nvPicPr>
+        <p:blipFill>
+          <a:blip r:embed="rId2">
+            <a:extLst>
+              <a:ext uri="{28A0092B-C50C-407E-A947-70E740481C1C}">
+                <a14:useLocalDpi xmlns:a14="http://schemas.microsoft.com/office/drawing/2010/main" val="0"/>
+              </a:ext>
+            </a:extLst>
+          </a:blip>
+          <a:stretch>
+            <a:fillRect/>
+          </a:stretch>
+        </p:blipFill>
+        <p:spPr>
+          <a:xfrm>
+            <a:off x="0" y="787400"/>
+            <a:ext cx="9144000" cy="5277394"/>
+          </a:xfrm>
+          <a:prstGeom prst="rect">
+            <a:avLst/>
+          </a:prstGeom>
+        </p:spPr>
+      </p:pic>
     </p:spTree>
     <p:extLst>
       <p:ext uri="{BB962C8B-B14F-4D97-AF65-F5344CB8AC3E}">
-        <p14:creationId xmlns:p14="http://schemas.microsoft.com/office/powerpoint/2010/main" val="799441368"/>
+        <p14:creationId xmlns:p14="http://schemas.microsoft.com/office/powerpoint/2010/main" val="1108104872"/>
       </p:ext>
     </p:extLst>
   </p:cSld>
@@ -3562,64 +3644,69 @@
           <a:chExt cx="0" cy="0"/>
         </a:xfrm>
       </p:grpSpPr>
-      <p:sp>
-        <p:nvSpPr>
-          <p:cNvPr id="2" name="Title 1"/>
-          <p:cNvSpPr>
-            <a:spLocks noGrp="1"/>
-          </p:cNvSpPr>
-          <p:nvPr>
-            <p:ph type="title"/>
-          </p:nvPr>
-        </p:nvSpPr>
-        <p:spPr/>
-        <p:txBody>
-          <a:bodyPr/>
-          <a:lstStyle/>
-          <a:p>
-            <a:endParaRPr lang="en-US"/>
-          </a:p>
-        </p:txBody>
-      </p:sp>
-      <p:sp>
-        <p:nvSpPr>
-          <p:cNvPr id="3" name="Content Placeholder 2"/>
-          <p:cNvSpPr>
-            <a:spLocks noGrp="1"/>
-          </p:cNvSpPr>
-          <p:nvPr>
-            <p:ph idx="1"/>
-          </p:nvPr>
-        </p:nvSpPr>
-        <p:spPr/>
-        <p:txBody>
-          <a:bodyPr/>
-          <a:lstStyle/>
-          <a:p>
-            <a:r>
-              <a:rPr lang="en-US" b="1" dirty="0">
-                <a:latin typeface="Avenir Book" charset="0"/>
-                <a:ea typeface="Avenir Book" charset="0"/>
-                <a:cs typeface="Avenir Book" charset="0"/>
-              </a:rPr>
-              <a:t>Your current progress.</a:t>
-            </a:r>
-            <a:r>
-              <a:rPr lang="en-US" dirty="0">
-                <a:latin typeface="Avenir Book" charset="0"/>
-                <a:ea typeface="Avenir Book" charset="0"/>
-                <a:cs typeface="Avenir Book" charset="0"/>
-              </a:rPr>
-              <a:t> Use sketches, storyboards, and/or prototype images to communicate your ideas.</a:t>
-            </a:r>
-            <a:endParaRPr lang="en-US" dirty="0"/>
-          </a:p>
-        </p:txBody>
-      </p:sp>
+      <p:pic>
+        <p:nvPicPr>
+          <p:cNvPr id="5" name="Picture 4"/>
+          <p:cNvPicPr>
+            <a:picLocks noChangeAspect="1"/>
+          </p:cNvPicPr>
+          <p:nvPr/>
+        </p:nvPicPr>
+        <p:blipFill>
+          <a:blip r:embed="rId2">
+            <a:extLst>
+              <a:ext uri="{28A0092B-C50C-407E-A947-70E740481C1C}">
+                <a14:useLocalDpi xmlns:a14="http://schemas.microsoft.com/office/drawing/2010/main" val="0"/>
+              </a:ext>
+            </a:extLst>
+          </a:blip>
+          <a:stretch>
+            <a:fillRect/>
+          </a:stretch>
+        </p:blipFill>
+        <p:spPr>
+          <a:xfrm>
+            <a:off x="0" y="787400"/>
+            <a:ext cx="9144000" cy="5277394"/>
+          </a:xfrm>
+          <a:prstGeom prst="rect">
+            <a:avLst/>
+          </a:prstGeom>
+        </p:spPr>
+      </p:pic>
+      <p:pic>
+        <p:nvPicPr>
+          <p:cNvPr id="3" name="Picture 2"/>
+          <p:cNvPicPr>
+            <a:picLocks noChangeAspect="1"/>
+          </p:cNvPicPr>
+          <p:nvPr/>
+        </p:nvPicPr>
+        <p:blipFill rotWithShape="1">
+          <a:blip r:embed="rId3">
+            <a:extLst>
+              <a:ext uri="{28A0092B-C50C-407E-A947-70E740481C1C}">
+                <a14:useLocalDpi xmlns:a14="http://schemas.microsoft.com/office/drawing/2010/main" val="0"/>
+              </a:ext>
+            </a:extLst>
+          </a:blip>
+          <a:srcRect l="6121" t="7291" r="5894" b="11411"/>
+          <a:stretch/>
+        </p:blipFill>
+        <p:spPr>
+          <a:xfrm>
+            <a:off x="765545" y="1265144"/>
+            <a:ext cx="7857460" cy="3944810"/>
+          </a:xfrm>
+          <a:prstGeom prst="rect">
+            <a:avLst/>
+          </a:prstGeom>
+        </p:spPr>
+      </p:pic>
     </p:spTree>
     <p:extLst>
       <p:ext uri="{BB962C8B-B14F-4D97-AF65-F5344CB8AC3E}">
-        <p14:creationId xmlns:p14="http://schemas.microsoft.com/office/powerpoint/2010/main" val="1677908061"/>
+        <p14:creationId xmlns:p14="http://schemas.microsoft.com/office/powerpoint/2010/main" val="1522596568"/>
       </p:ext>
     </p:extLst>
   </p:cSld>
@@ -3653,60 +3740,69 @@
           <a:chExt cx="0" cy="0"/>
         </a:xfrm>
       </p:grpSpPr>
-      <p:sp>
-        <p:nvSpPr>
-          <p:cNvPr id="2" name="Title 1"/>
-          <p:cNvSpPr>
-            <a:spLocks noGrp="1"/>
-          </p:cNvSpPr>
-          <p:nvPr>
-            <p:ph type="title"/>
-          </p:nvPr>
-        </p:nvSpPr>
-        <p:spPr/>
-        <p:txBody>
-          <a:bodyPr/>
-          <a:lstStyle/>
-          <a:p>
-            <a:endParaRPr lang="en-US"/>
-          </a:p>
-        </p:txBody>
-      </p:sp>
-      <p:sp>
-        <p:nvSpPr>
-          <p:cNvPr id="3" name="Content Placeholder 2"/>
-          <p:cNvSpPr>
-            <a:spLocks noGrp="1"/>
-          </p:cNvSpPr>
-          <p:nvPr>
-            <p:ph idx="1"/>
-          </p:nvPr>
-        </p:nvSpPr>
-        <p:spPr/>
-        <p:txBody>
-          <a:bodyPr/>
-          <a:lstStyle/>
-          <a:p>
-            <a:r>
-              <a:rPr lang="en-US" dirty="0" smtClean="0">
-                <a:latin typeface="Avenir Book" charset="0"/>
-                <a:ea typeface="Avenir Book" charset="0"/>
-                <a:cs typeface="Avenir Book" charset="0"/>
-              </a:rPr>
-              <a:t>Thanks</a:t>
-            </a:r>
-            <a:endParaRPr lang="en-US" dirty="0">
-              <a:latin typeface="Avenir Book" charset="0"/>
-              <a:ea typeface="Avenir Book" charset="0"/>
-              <a:cs typeface="Avenir Book" charset="0"/>
-            </a:endParaRPr>
-          </a:p>
-        </p:txBody>
-      </p:sp>
+      <p:pic>
+        <p:nvPicPr>
+          <p:cNvPr id="5" name="Picture 4"/>
+          <p:cNvPicPr>
+            <a:picLocks noChangeAspect="1"/>
+          </p:cNvPicPr>
+          <p:nvPr/>
+        </p:nvPicPr>
+        <p:blipFill>
+          <a:blip r:embed="rId2">
+            <a:extLst>
+              <a:ext uri="{28A0092B-C50C-407E-A947-70E740481C1C}">
+                <a14:useLocalDpi xmlns:a14="http://schemas.microsoft.com/office/drawing/2010/main" val="0"/>
+              </a:ext>
+            </a:extLst>
+          </a:blip>
+          <a:stretch>
+            <a:fillRect/>
+          </a:stretch>
+        </p:blipFill>
+        <p:spPr>
+          <a:xfrm>
+            <a:off x="0" y="787400"/>
+            <a:ext cx="9144000" cy="5277394"/>
+          </a:xfrm>
+          <a:prstGeom prst="rect">
+            <a:avLst/>
+          </a:prstGeom>
+        </p:spPr>
+      </p:pic>
+      <p:pic>
+        <p:nvPicPr>
+          <p:cNvPr id="4" name="Picture 3"/>
+          <p:cNvPicPr>
+            <a:picLocks noChangeAspect="1"/>
+          </p:cNvPicPr>
+          <p:nvPr/>
+        </p:nvPicPr>
+        <p:blipFill rotWithShape="1">
+          <a:blip r:embed="rId3">
+            <a:extLst>
+              <a:ext uri="{28A0092B-C50C-407E-A947-70E740481C1C}">
+                <a14:useLocalDpi xmlns:a14="http://schemas.microsoft.com/office/drawing/2010/main" val="0"/>
+              </a:ext>
+            </a:extLst>
+          </a:blip>
+          <a:srcRect l="8256" t="12288" r="8140" b="11229"/>
+          <a:stretch/>
+        </p:blipFill>
+        <p:spPr>
+          <a:xfrm>
+            <a:off x="749595" y="1262204"/>
+            <a:ext cx="7841512" cy="3937117"/>
+          </a:xfrm>
+          <a:prstGeom prst="rect">
+            <a:avLst/>
+          </a:prstGeom>
+        </p:spPr>
+      </p:pic>
     </p:spTree>
     <p:extLst>
       <p:ext uri="{BB962C8B-B14F-4D97-AF65-F5344CB8AC3E}">
-        <p14:creationId xmlns:p14="http://schemas.microsoft.com/office/powerpoint/2010/main" val="1144756947"/>
+        <p14:creationId xmlns:p14="http://schemas.microsoft.com/office/powerpoint/2010/main" val="1059751547"/>
       </p:ext>
     </p:extLst>
   </p:cSld>
@@ -3740,48 +3836,324 @@
           <a:chExt cx="0" cy="0"/>
         </a:xfrm>
       </p:grpSpPr>
-      <p:sp>
-        <p:nvSpPr>
-          <p:cNvPr id="2" name="Title 1"/>
-          <p:cNvSpPr>
-            <a:spLocks noGrp="1"/>
-          </p:cNvSpPr>
-          <p:nvPr>
-            <p:ph type="title"/>
-          </p:nvPr>
-        </p:nvSpPr>
-        <p:spPr/>
-        <p:txBody>
-          <a:bodyPr/>
-          <a:lstStyle/>
-          <a:p>
-            <a:endParaRPr lang="en-US"/>
-          </a:p>
-        </p:txBody>
-      </p:sp>
-      <p:sp>
-        <p:nvSpPr>
-          <p:cNvPr id="3" name="Content Placeholder 2"/>
-          <p:cNvSpPr>
-            <a:spLocks noGrp="1"/>
-          </p:cNvSpPr>
-          <p:nvPr>
-            <p:ph idx="1"/>
-          </p:nvPr>
-        </p:nvSpPr>
-        <p:spPr/>
-        <p:txBody>
-          <a:bodyPr/>
-          <a:lstStyle/>
-          <a:p>
-            <a:endParaRPr lang="en-US" dirty="0"/>
+      <p:pic>
+        <p:nvPicPr>
+          <p:cNvPr id="5" name="Picture 4"/>
+          <p:cNvPicPr>
+            <a:picLocks noChangeAspect="1"/>
+          </p:cNvPicPr>
+          <p:nvPr/>
+        </p:nvPicPr>
+        <p:blipFill>
+          <a:blip r:embed="rId2">
+            <a:extLst>
+              <a:ext uri="{28A0092B-C50C-407E-A947-70E740481C1C}">
+                <a14:useLocalDpi xmlns:a14="http://schemas.microsoft.com/office/drawing/2010/main" val="0"/>
+              </a:ext>
+            </a:extLst>
+          </a:blip>
+          <a:stretch>
+            <a:fillRect/>
+          </a:stretch>
+        </p:blipFill>
+        <p:spPr>
+          <a:xfrm>
+            <a:off x="0" y="0"/>
+            <a:ext cx="5134850" cy="6858000"/>
+          </a:xfrm>
+          <a:prstGeom prst="rect">
+            <a:avLst/>
+          </a:prstGeom>
+        </p:spPr>
+      </p:pic>
+      <p:sp>
+        <p:nvSpPr>
+          <p:cNvPr id="6" name="Rectangle 5"/>
+          <p:cNvSpPr/>
+          <p:nvPr/>
+        </p:nvSpPr>
+        <p:spPr>
+          <a:xfrm>
+            <a:off x="5283706" y="2404086"/>
+            <a:ext cx="3860294" cy="1615827"/>
+          </a:xfrm>
+          <a:prstGeom prst="rect">
+            <a:avLst/>
+          </a:prstGeom>
+        </p:spPr>
+        <p:txBody>
+          <a:bodyPr wrap="square">
+            <a:spAutoFit/>
+          </a:bodyPr>
+          <a:lstStyle/>
+          <a:p>
+            <a:pPr>
+              <a:lnSpc>
+                <a:spcPct val="150000"/>
+              </a:lnSpc>
+            </a:pPr>
+            <a:r>
+              <a:rPr lang="en-US" b="1" dirty="0" smtClean="0">
+                <a:latin typeface="Avenir Book" charset="0"/>
+                <a:ea typeface="Avenir Book" charset="0"/>
+                <a:cs typeface="Avenir Book" charset="0"/>
+              </a:rPr>
+              <a:t>INFOVIS 15 Workshop Paper</a:t>
+            </a:r>
+          </a:p>
+          <a:p>
+            <a:pPr>
+              <a:lnSpc>
+                <a:spcPct val="150000"/>
+              </a:lnSpc>
+            </a:pPr>
+            <a:r>
+              <a:rPr lang="en-US" sz="1600" dirty="0" smtClean="0">
+                <a:latin typeface="Avenir Book" charset="0"/>
+                <a:ea typeface="Avenir Book" charset="0"/>
+                <a:cs typeface="Avenir Book" charset="0"/>
+              </a:rPr>
+              <a:t>Described </a:t>
+            </a:r>
+            <a:r>
+              <a:rPr lang="en-US" sz="1600" dirty="0">
+                <a:latin typeface="Avenir Book" charset="0"/>
+                <a:ea typeface="Avenir Book" charset="0"/>
+                <a:cs typeface="Avenir Book" charset="0"/>
+              </a:rPr>
+              <a:t>the design space of </a:t>
+            </a:r>
+            <a:r>
+              <a:rPr lang="en-US" sz="1600" dirty="0" smtClean="0">
+                <a:latin typeface="Avenir Book" charset="0"/>
+                <a:ea typeface="Avenir Book" charset="0"/>
+                <a:cs typeface="Avenir Book" charset="0"/>
+              </a:rPr>
+              <a:t>EV</a:t>
+            </a:r>
+          </a:p>
+          <a:p>
+            <a:pPr>
+              <a:lnSpc>
+                <a:spcPct val="150000"/>
+              </a:lnSpc>
+            </a:pPr>
+            <a:r>
+              <a:rPr lang="en-US" sz="1600" dirty="0" smtClean="0">
+                <a:latin typeface="Avenir Book" charset="0"/>
+                <a:ea typeface="Avenir Book" charset="0"/>
+                <a:cs typeface="Avenir Book" charset="0"/>
+              </a:rPr>
+              <a:t>Proposed applications </a:t>
+            </a:r>
+          </a:p>
+          <a:p>
+            <a:pPr>
+              <a:lnSpc>
+                <a:spcPct val="150000"/>
+              </a:lnSpc>
+            </a:pPr>
+            <a:r>
+              <a:rPr lang="en-US" sz="1600" dirty="0" smtClean="0">
+                <a:latin typeface="Avenir Book" charset="0"/>
+                <a:ea typeface="Avenir Book" charset="0"/>
+                <a:cs typeface="Avenir Book" charset="0"/>
+              </a:rPr>
+              <a:t>Suggested ideas </a:t>
+            </a:r>
+            <a:r>
+              <a:rPr lang="en-US" sz="1600" dirty="0">
+                <a:latin typeface="Avenir Book" charset="0"/>
+                <a:ea typeface="Avenir Book" charset="0"/>
+                <a:cs typeface="Avenir Book" charset="0"/>
+              </a:rPr>
+              <a:t>for future research.</a:t>
+            </a:r>
           </a:p>
         </p:txBody>
       </p:sp>
     </p:spTree>
     <p:extLst>
       <p:ext uri="{BB962C8B-B14F-4D97-AF65-F5344CB8AC3E}">
-        <p14:creationId xmlns:p14="http://schemas.microsoft.com/office/powerpoint/2010/main" val="1456831180"/>
+        <p14:creationId xmlns:p14="http://schemas.microsoft.com/office/powerpoint/2010/main" val="1561555613"/>
+      </p:ext>
+    </p:extLst>
+  </p:cSld>
+  <p:clrMapOvr>
+    <a:masterClrMapping/>
+  </p:clrMapOvr>
+  <p:timing>
+    <p:tnLst>
+      <p:par>
+        <p:cTn id="1" dur="indefinite" restart="never" nodeType="tmRoot"/>
+      </p:par>
+    </p:tnLst>
+  </p:timing>
+</p:sld>
+</file>
+
+<file path=ppt/slides/slide8.xml><?xml version="1.0" encoding="utf-8"?>
+<p:sld xmlns:a="http://schemas.openxmlformats.org/drawingml/2006/main" xmlns:r="http://schemas.openxmlformats.org/officeDocument/2006/relationships" xmlns:p="http://schemas.openxmlformats.org/presentationml/2006/main">
+  <p:cSld>
+    <p:spTree>
+      <p:nvGrpSpPr>
+        <p:cNvPr id="1" name=""/>
+        <p:cNvGrpSpPr/>
+        <p:nvPr/>
+      </p:nvGrpSpPr>
+      <p:grpSpPr>
+        <a:xfrm>
+          <a:off x="0" y="0"/>
+          <a:ext cx="0" cy="0"/>
+          <a:chOff x="0" y="0"/>
+          <a:chExt cx="0" cy="0"/>
+        </a:xfrm>
+      </p:grpSpPr>
+      <p:sp>
+        <p:nvSpPr>
+          <p:cNvPr id="2" name="Title 1"/>
+          <p:cNvSpPr>
+            <a:spLocks noGrp="1"/>
+          </p:cNvSpPr>
+          <p:nvPr>
+            <p:ph type="title"/>
+          </p:nvPr>
+        </p:nvSpPr>
+        <p:spPr/>
+        <p:txBody>
+          <a:bodyPr/>
+          <a:lstStyle/>
+          <a:p>
+            <a:endParaRPr lang="en-US"/>
+          </a:p>
+        </p:txBody>
+      </p:sp>
+      <p:sp>
+        <p:nvSpPr>
+          <p:cNvPr id="3" name="Content Placeholder 2"/>
+          <p:cNvSpPr>
+            <a:spLocks noGrp="1"/>
+          </p:cNvSpPr>
+          <p:nvPr>
+            <p:ph idx="1"/>
+          </p:nvPr>
+        </p:nvSpPr>
+        <p:spPr/>
+        <p:txBody>
+          <a:bodyPr/>
+          <a:lstStyle/>
+          <a:p>
+            <a:r>
+              <a:rPr lang="en-US" b="1" dirty="0">
+                <a:latin typeface="Avenir Book" charset="0"/>
+                <a:ea typeface="Avenir Book" charset="0"/>
+                <a:cs typeface="Avenir Book" charset="0"/>
+              </a:rPr>
+              <a:t>Your current progress.</a:t>
+            </a:r>
+            <a:r>
+              <a:rPr lang="en-US" dirty="0">
+                <a:latin typeface="Avenir Book" charset="0"/>
+                <a:ea typeface="Avenir Book" charset="0"/>
+                <a:cs typeface="Avenir Book" charset="0"/>
+              </a:rPr>
+              <a:t> Use sketches, storyboards, and/or prototype images to communicate your ideas.</a:t>
+            </a:r>
+            <a:endParaRPr lang="en-US" dirty="0"/>
+          </a:p>
+        </p:txBody>
+      </p:sp>
+    </p:spTree>
+    <p:extLst>
+      <p:ext uri="{BB962C8B-B14F-4D97-AF65-F5344CB8AC3E}">
+        <p14:creationId xmlns:p14="http://schemas.microsoft.com/office/powerpoint/2010/main" val="1677908061"/>
+      </p:ext>
+    </p:extLst>
+  </p:cSld>
+  <p:clrMapOvr>
+    <a:masterClrMapping/>
+  </p:clrMapOvr>
+  <p:timing>
+    <p:tnLst>
+      <p:par>
+        <p:cTn id="1" dur="indefinite" restart="never" nodeType="tmRoot"/>
+      </p:par>
+    </p:tnLst>
+  </p:timing>
+</p:sld>
+</file>
+
+<file path=ppt/slides/slide9.xml><?xml version="1.0" encoding="utf-8"?>
+<p:sld xmlns:a="http://schemas.openxmlformats.org/drawingml/2006/main" xmlns:r="http://schemas.openxmlformats.org/officeDocument/2006/relationships" xmlns:p="http://schemas.openxmlformats.org/presentationml/2006/main">
+  <p:cSld>
+    <p:spTree>
+      <p:nvGrpSpPr>
+        <p:cNvPr id="1" name=""/>
+        <p:cNvGrpSpPr/>
+        <p:nvPr/>
+      </p:nvGrpSpPr>
+      <p:grpSpPr>
+        <a:xfrm>
+          <a:off x="0" y="0"/>
+          <a:ext cx="0" cy="0"/>
+          <a:chOff x="0" y="0"/>
+          <a:chExt cx="0" cy="0"/>
+        </a:xfrm>
+      </p:grpSpPr>
+      <p:sp>
+        <p:nvSpPr>
+          <p:cNvPr id="2" name="Title 1"/>
+          <p:cNvSpPr>
+            <a:spLocks noGrp="1"/>
+          </p:cNvSpPr>
+          <p:nvPr>
+            <p:ph type="title"/>
+          </p:nvPr>
+        </p:nvSpPr>
+        <p:spPr/>
+        <p:txBody>
+          <a:bodyPr/>
+          <a:lstStyle/>
+          <a:p>
+            <a:endParaRPr lang="en-US"/>
+          </a:p>
+        </p:txBody>
+      </p:sp>
+      <p:sp>
+        <p:nvSpPr>
+          <p:cNvPr id="3" name="Content Placeholder 2"/>
+          <p:cNvSpPr>
+            <a:spLocks noGrp="1"/>
+          </p:cNvSpPr>
+          <p:nvPr>
+            <p:ph idx="1"/>
+          </p:nvPr>
+        </p:nvSpPr>
+        <p:spPr/>
+        <p:txBody>
+          <a:bodyPr/>
+          <a:lstStyle/>
+          <a:p>
+            <a:r>
+              <a:rPr lang="en-US" dirty="0" smtClean="0">
+                <a:latin typeface="Avenir Book" charset="0"/>
+                <a:ea typeface="Avenir Book" charset="0"/>
+                <a:cs typeface="Avenir Book" charset="0"/>
+              </a:rPr>
+              <a:t>Thanks</a:t>
+            </a:r>
+            <a:endParaRPr lang="en-US" dirty="0">
+              <a:latin typeface="Avenir Book" charset="0"/>
+              <a:ea typeface="Avenir Book" charset="0"/>
+              <a:cs typeface="Avenir Book" charset="0"/>
+            </a:endParaRPr>
+          </a:p>
+        </p:txBody>
+      </p:sp>
+    </p:spTree>
+    <p:extLst>
+      <p:ext uri="{BB962C8B-B14F-4D97-AF65-F5344CB8AC3E}">
+        <p14:creationId xmlns:p14="http://schemas.microsoft.com/office/powerpoint/2010/main" val="1144756947"/>
       </p:ext>
     </p:extLst>
   </p:cSld>

--- a/latex/progress/slides-iwsmith-laulck-yeaseul1.pptx
+++ b/latex/progress/slides-iwsmith-laulck-yeaseul1.pptx
@@ -12,9 +12,10 @@
     <p:sldId id="268" r:id="rId6"/>
     <p:sldId id="269" r:id="rId7"/>
     <p:sldId id="267" r:id="rId8"/>
-    <p:sldId id="260" r:id="rId9"/>
-    <p:sldId id="261" r:id="rId10"/>
-    <p:sldId id="262" r:id="rId11"/>
+    <p:sldId id="270" r:id="rId9"/>
+    <p:sldId id="260" r:id="rId10"/>
+    <p:sldId id="261" r:id="rId11"/>
+    <p:sldId id="262" r:id="rId12"/>
   </p:sldIdLst>
   <p:sldSz cx="9144000" cy="6858000" type="screen4x3"/>
   <p:notesSz cx="6858000" cy="9144000"/>
@@ -3107,11 +3108,7 @@
           <a:p>
             <a:r>
               <a:rPr lang="en-US" sz="2000" dirty="0" smtClean="0"/>
-              <a:t>Ian</a:t>
-            </a:r>
-            <a:r>
-              <a:rPr lang="en-US" sz="2000" dirty="0" smtClean="0"/>
-              <a:t> Wesley-Smith, </a:t>
+              <a:t>Ian Wesley-Smith, </a:t>
             </a:r>
             <a:r>
               <a:rPr lang="en-US" sz="2000" dirty="0" err="1" smtClean="0"/>
@@ -3162,6 +3159,93 @@
 </file>
 
 <file path=ppt/slides/slide10.xml><?xml version="1.0" encoding="utf-8"?>
+<p:sld xmlns:a="http://schemas.openxmlformats.org/drawingml/2006/main" xmlns:r="http://schemas.openxmlformats.org/officeDocument/2006/relationships" xmlns:p="http://schemas.openxmlformats.org/presentationml/2006/main">
+  <p:cSld>
+    <p:spTree>
+      <p:nvGrpSpPr>
+        <p:cNvPr id="1" name=""/>
+        <p:cNvGrpSpPr/>
+        <p:nvPr/>
+      </p:nvGrpSpPr>
+      <p:grpSpPr>
+        <a:xfrm>
+          <a:off x="0" y="0"/>
+          <a:ext cx="0" cy="0"/>
+          <a:chOff x="0" y="0"/>
+          <a:chExt cx="0" cy="0"/>
+        </a:xfrm>
+      </p:grpSpPr>
+      <p:sp>
+        <p:nvSpPr>
+          <p:cNvPr id="2" name="Title 1"/>
+          <p:cNvSpPr>
+            <a:spLocks noGrp="1"/>
+          </p:cNvSpPr>
+          <p:nvPr>
+            <p:ph type="title"/>
+          </p:nvPr>
+        </p:nvSpPr>
+        <p:spPr/>
+        <p:txBody>
+          <a:bodyPr/>
+          <a:lstStyle/>
+          <a:p>
+            <a:endParaRPr lang="en-US"/>
+          </a:p>
+        </p:txBody>
+      </p:sp>
+      <p:sp>
+        <p:nvSpPr>
+          <p:cNvPr id="3" name="Content Placeholder 2"/>
+          <p:cNvSpPr>
+            <a:spLocks noGrp="1"/>
+          </p:cNvSpPr>
+          <p:nvPr>
+            <p:ph idx="1"/>
+          </p:nvPr>
+        </p:nvSpPr>
+        <p:spPr/>
+        <p:txBody>
+          <a:bodyPr/>
+          <a:lstStyle/>
+          <a:p>
+            <a:r>
+              <a:rPr lang="en-US" dirty="0" smtClean="0">
+                <a:latin typeface="Avenir Book" charset="0"/>
+                <a:ea typeface="Avenir Book" charset="0"/>
+                <a:cs typeface="Avenir Book" charset="0"/>
+              </a:rPr>
+              <a:t>Thanks</a:t>
+            </a:r>
+            <a:endParaRPr lang="en-US" dirty="0">
+              <a:latin typeface="Avenir Book" charset="0"/>
+              <a:ea typeface="Avenir Book" charset="0"/>
+              <a:cs typeface="Avenir Book" charset="0"/>
+            </a:endParaRPr>
+          </a:p>
+        </p:txBody>
+      </p:sp>
+    </p:spTree>
+    <p:extLst>
+      <p:ext uri="{BB962C8B-B14F-4D97-AF65-F5344CB8AC3E}">
+        <p14:creationId xmlns:p14="http://schemas.microsoft.com/office/powerpoint/2010/main" val="1144756947"/>
+      </p:ext>
+    </p:extLst>
+  </p:cSld>
+  <p:clrMapOvr>
+    <a:masterClrMapping/>
+  </p:clrMapOvr>
+  <p:timing>
+    <p:tnLst>
+      <p:par>
+        <p:cTn id="1" dur="indefinite" restart="never" nodeType="tmRoot"/>
+      </p:par>
+    </p:tnLst>
+  </p:timing>
+</p:sld>
+</file>
+
+<file path=ppt/slides/slide11.xml><?xml version="1.0" encoding="utf-8"?>
 <p:sld xmlns:a="http://schemas.openxmlformats.org/drawingml/2006/main" xmlns:r="http://schemas.openxmlformats.org/officeDocument/2006/relationships" xmlns:p="http://schemas.openxmlformats.org/presentationml/2006/main">
   <p:cSld>
     <p:spTree>
@@ -4009,77 +4093,487 @@
           <a:chExt cx="0" cy="0"/>
         </a:xfrm>
       </p:grpSpPr>
-      <p:sp>
-        <p:nvSpPr>
-          <p:cNvPr id="2" name="Title 1"/>
-          <p:cNvSpPr>
-            <a:spLocks noGrp="1"/>
-          </p:cNvSpPr>
-          <p:nvPr>
-            <p:ph type="title"/>
-          </p:nvPr>
-        </p:nvSpPr>
-        <p:spPr/>
-        <p:txBody>
-          <a:bodyPr/>
-          <a:lstStyle/>
-          <a:p>
+      <p:cxnSp>
+        <p:nvCxnSpPr>
+          <p:cNvPr id="5" name="Straight Arrow Connector 4"/>
+          <p:cNvCxnSpPr/>
+          <p:nvPr/>
+        </p:nvCxnSpPr>
+        <p:spPr>
+          <a:xfrm>
+            <a:off x="606056" y="4189228"/>
+            <a:ext cx="8006316" cy="0"/>
+          </a:xfrm>
+          <a:prstGeom prst="straightConnector1">
+            <a:avLst/>
+          </a:prstGeom>
+          <a:ln w="28575">
+            <a:solidFill>
+              <a:schemeClr val="tx1">
+                <a:lumMod val="65000"/>
+                <a:lumOff val="35000"/>
+              </a:schemeClr>
+            </a:solidFill>
+            <a:tailEnd type="triangle"/>
+          </a:ln>
+        </p:spPr>
+        <p:style>
+          <a:lnRef idx="1">
+            <a:schemeClr val="accent1"/>
+          </a:lnRef>
+          <a:fillRef idx="0">
+            <a:schemeClr val="accent1"/>
+          </a:fillRef>
+          <a:effectRef idx="0">
+            <a:schemeClr val="accent1"/>
+          </a:effectRef>
+          <a:fontRef idx="minor">
+            <a:schemeClr val="tx1"/>
+          </a:fontRef>
+        </p:style>
+      </p:cxnSp>
+      <p:sp>
+        <p:nvSpPr>
+          <p:cNvPr id="6" name="Oval 5"/>
+          <p:cNvSpPr/>
+          <p:nvPr/>
+        </p:nvSpPr>
+        <p:spPr>
+          <a:xfrm>
+            <a:off x="1127050" y="4077586"/>
+            <a:ext cx="223284" cy="223284"/>
+          </a:xfrm>
+          <a:prstGeom prst="ellipse">
+            <a:avLst/>
+          </a:prstGeom>
+          <a:solidFill>
+            <a:schemeClr val="tx1">
+              <a:lumMod val="65000"/>
+              <a:lumOff val="35000"/>
+            </a:schemeClr>
+          </a:solidFill>
+          <a:ln>
+            <a:solidFill>
+              <a:schemeClr val="tx1">
+                <a:lumMod val="65000"/>
+                <a:lumOff val="35000"/>
+              </a:schemeClr>
+            </a:solidFill>
+          </a:ln>
+        </p:spPr>
+        <p:style>
+          <a:lnRef idx="2">
+            <a:schemeClr val="accent1">
+              <a:shade val="50000"/>
+            </a:schemeClr>
+          </a:lnRef>
+          <a:fillRef idx="1">
+            <a:schemeClr val="accent1"/>
+          </a:fillRef>
+          <a:effectRef idx="0">
+            <a:schemeClr val="accent1"/>
+          </a:effectRef>
+          <a:fontRef idx="minor">
+            <a:schemeClr val="lt1"/>
+          </a:fontRef>
+        </p:style>
+        <p:txBody>
+          <a:bodyPr rtlCol="0" anchor="ctr"/>
+          <a:lstStyle/>
+          <a:p>
+            <a:pPr algn="ctr"/>
             <a:endParaRPr lang="en-US"/>
           </a:p>
         </p:txBody>
       </p:sp>
       <p:sp>
         <p:nvSpPr>
-          <p:cNvPr id="3" name="Content Placeholder 2"/>
-          <p:cNvSpPr>
-            <a:spLocks noGrp="1"/>
-          </p:cNvSpPr>
-          <p:nvPr>
-            <p:ph idx="1"/>
-          </p:nvPr>
-        </p:nvSpPr>
-        <p:spPr/>
-        <p:txBody>
-          <a:bodyPr/>
-          <a:lstStyle/>
-          <a:p>
-            <a:r>
-              <a:rPr lang="en-US" b="1" dirty="0">
+          <p:cNvPr id="7" name="Oval 6"/>
+          <p:cNvSpPr/>
+          <p:nvPr/>
+        </p:nvSpPr>
+        <p:spPr>
+          <a:xfrm>
+            <a:off x="4263655" y="4077586"/>
+            <a:ext cx="223284" cy="223284"/>
+          </a:xfrm>
+          <a:prstGeom prst="ellipse">
+            <a:avLst/>
+          </a:prstGeom>
+          <a:solidFill>
+            <a:schemeClr val="tx1">
+              <a:lumMod val="65000"/>
+              <a:lumOff val="35000"/>
+            </a:schemeClr>
+          </a:solidFill>
+          <a:ln>
+            <a:solidFill>
+              <a:schemeClr val="tx1">
+                <a:lumMod val="65000"/>
+                <a:lumOff val="35000"/>
+              </a:schemeClr>
+            </a:solidFill>
+          </a:ln>
+        </p:spPr>
+        <p:style>
+          <a:lnRef idx="2">
+            <a:schemeClr val="accent1">
+              <a:shade val="50000"/>
+            </a:schemeClr>
+          </a:lnRef>
+          <a:fillRef idx="1">
+            <a:schemeClr val="accent1"/>
+          </a:fillRef>
+          <a:effectRef idx="0">
+            <a:schemeClr val="accent1"/>
+          </a:effectRef>
+          <a:fontRef idx="minor">
+            <a:schemeClr val="lt1"/>
+          </a:fontRef>
+        </p:style>
+        <p:txBody>
+          <a:bodyPr rtlCol="0" anchor="ctr"/>
+          <a:lstStyle/>
+          <a:p>
+            <a:pPr algn="ctr"/>
+            <a:endParaRPr lang="en-US"/>
+          </a:p>
+        </p:txBody>
+      </p:sp>
+      <p:sp>
+        <p:nvSpPr>
+          <p:cNvPr id="8" name="Oval 7"/>
+          <p:cNvSpPr/>
+          <p:nvPr/>
+        </p:nvSpPr>
+        <p:spPr>
+          <a:xfrm>
+            <a:off x="7400259" y="4077586"/>
+            <a:ext cx="223284" cy="223284"/>
+          </a:xfrm>
+          <a:prstGeom prst="ellipse">
+            <a:avLst/>
+          </a:prstGeom>
+          <a:solidFill>
+            <a:schemeClr val="tx1">
+              <a:lumMod val="65000"/>
+              <a:lumOff val="35000"/>
+            </a:schemeClr>
+          </a:solidFill>
+          <a:ln>
+            <a:solidFill>
+              <a:schemeClr val="tx1">
+                <a:lumMod val="65000"/>
+                <a:lumOff val="35000"/>
+              </a:schemeClr>
+            </a:solidFill>
+          </a:ln>
+        </p:spPr>
+        <p:style>
+          <a:lnRef idx="2">
+            <a:schemeClr val="accent1">
+              <a:shade val="50000"/>
+            </a:schemeClr>
+          </a:lnRef>
+          <a:fillRef idx="1">
+            <a:schemeClr val="accent1"/>
+          </a:fillRef>
+          <a:effectRef idx="0">
+            <a:schemeClr val="accent1"/>
+          </a:effectRef>
+          <a:fontRef idx="minor">
+            <a:schemeClr val="lt1"/>
+          </a:fontRef>
+        </p:style>
+        <p:txBody>
+          <a:bodyPr rtlCol="0" anchor="ctr"/>
+          <a:lstStyle/>
+          <a:p>
+            <a:pPr algn="ctr"/>
+            <a:endParaRPr lang="en-US"/>
+          </a:p>
+        </p:txBody>
+      </p:sp>
+      <p:sp>
+        <p:nvSpPr>
+          <p:cNvPr id="9" name="Rectangle 8"/>
+          <p:cNvSpPr/>
+          <p:nvPr/>
+        </p:nvSpPr>
+        <p:spPr>
+          <a:xfrm>
+            <a:off x="2594343" y="1505335"/>
+            <a:ext cx="3561907" cy="3828550"/>
+          </a:xfrm>
+          <a:prstGeom prst="rect">
+            <a:avLst/>
+          </a:prstGeom>
+          <a:noFill/>
+          <a:ln w="19050">
+            <a:solidFill>
+              <a:srgbClr val="FF0000"/>
+            </a:solidFill>
+            <a:prstDash val="dash"/>
+          </a:ln>
+        </p:spPr>
+        <p:style>
+          <a:lnRef idx="2">
+            <a:schemeClr val="accent1">
+              <a:shade val="50000"/>
+            </a:schemeClr>
+          </a:lnRef>
+          <a:fillRef idx="1">
+            <a:schemeClr val="accent1"/>
+          </a:fillRef>
+          <a:effectRef idx="0">
+            <a:schemeClr val="accent1"/>
+          </a:effectRef>
+          <a:fontRef idx="minor">
+            <a:schemeClr val="lt1"/>
+          </a:fontRef>
+        </p:style>
+        <p:txBody>
+          <a:bodyPr rtlCol="0" anchor="ctr"/>
+          <a:lstStyle/>
+          <a:p>
+            <a:pPr algn="ctr"/>
+            <a:endParaRPr lang="en-US"/>
+          </a:p>
+        </p:txBody>
+      </p:sp>
+      <p:sp>
+        <p:nvSpPr>
+          <p:cNvPr id="10" name="Rectangle 9"/>
+          <p:cNvSpPr/>
+          <p:nvPr/>
+        </p:nvSpPr>
+        <p:spPr>
+          <a:xfrm>
+            <a:off x="-10634" y="4502888"/>
+            <a:ext cx="2498651" cy="830997"/>
+          </a:xfrm>
+          <a:prstGeom prst="rect">
+            <a:avLst/>
+          </a:prstGeom>
+        </p:spPr>
+        <p:txBody>
+          <a:bodyPr wrap="square">
+            <a:spAutoFit/>
+          </a:bodyPr>
+          <a:lstStyle/>
+          <a:p>
+            <a:pPr algn="ctr">
+              <a:lnSpc>
+                <a:spcPct val="150000"/>
+              </a:lnSpc>
+            </a:pPr>
+            <a:r>
+              <a:rPr lang="en-US" sz="1600" dirty="0" smtClean="0">
                 <a:latin typeface="Avenir Book" charset="0"/>
                 <a:ea typeface="Avenir Book" charset="0"/>
                 <a:cs typeface="Avenir Book" charset="0"/>
               </a:rPr>
-              <a:t>Your current progress.</a:t>
-            </a:r>
-            <a:r>
-              <a:rPr lang="en-US" dirty="0">
+              <a:t>Define design space</a:t>
+            </a:r>
+          </a:p>
+          <a:p>
+            <a:pPr algn="ctr">
+              <a:lnSpc>
+                <a:spcPct val="150000"/>
+              </a:lnSpc>
+            </a:pPr>
+            <a:r>
+              <a:rPr lang="en-US" sz="1600" dirty="0" smtClean="0">
                 <a:latin typeface="Avenir Book" charset="0"/>
                 <a:ea typeface="Avenir Book" charset="0"/>
                 <a:cs typeface="Avenir Book" charset="0"/>
               </a:rPr>
-              <a:t> Use sketches, storyboards, and/or prototype images to communicate your ideas.</a:t>
-            </a:r>
-            <a:endParaRPr lang="en-US" dirty="0"/>
+              <a:t>Identify application</a:t>
+            </a:r>
+            <a:endParaRPr lang="en-US" sz="1600" dirty="0">
+              <a:latin typeface="Avenir Book" charset="0"/>
+              <a:ea typeface="Avenir Book" charset="0"/>
+              <a:cs typeface="Avenir Book" charset="0"/>
+            </a:endParaRPr>
+          </a:p>
+        </p:txBody>
+      </p:sp>
+      <p:sp>
+        <p:nvSpPr>
+          <p:cNvPr id="11" name="Rectangle 10"/>
+          <p:cNvSpPr/>
+          <p:nvPr/>
+        </p:nvSpPr>
+        <p:spPr>
+          <a:xfrm>
+            <a:off x="6262575" y="4417828"/>
+            <a:ext cx="2498651" cy="461665"/>
+          </a:xfrm>
+          <a:prstGeom prst="rect">
+            <a:avLst/>
+          </a:prstGeom>
+        </p:spPr>
+        <p:txBody>
+          <a:bodyPr wrap="square">
+            <a:spAutoFit/>
+          </a:bodyPr>
+          <a:lstStyle/>
+          <a:p>
+            <a:pPr algn="ctr">
+              <a:lnSpc>
+                <a:spcPct val="150000"/>
+              </a:lnSpc>
+            </a:pPr>
+            <a:r>
+              <a:rPr lang="en-US" sz="1600" dirty="0" smtClean="0">
+                <a:latin typeface="Avenir Book" charset="0"/>
+                <a:ea typeface="Avenir Book" charset="0"/>
+                <a:cs typeface="Avenir Book" charset="0"/>
+              </a:rPr>
+              <a:t>Validate effects</a:t>
+            </a:r>
+            <a:endParaRPr lang="en-US" sz="1600" dirty="0">
+              <a:latin typeface="Avenir Book" charset="0"/>
+              <a:ea typeface="Avenir Book" charset="0"/>
+              <a:cs typeface="Avenir Book" charset="0"/>
+            </a:endParaRPr>
+          </a:p>
+        </p:txBody>
+      </p:sp>
+      <p:sp>
+        <p:nvSpPr>
+          <p:cNvPr id="12" name="Rectangle 11"/>
+          <p:cNvSpPr/>
+          <p:nvPr/>
+        </p:nvSpPr>
+        <p:spPr>
+          <a:xfrm>
+            <a:off x="3152554" y="4586545"/>
+            <a:ext cx="2498651" cy="461665"/>
+          </a:xfrm>
+          <a:prstGeom prst="rect">
+            <a:avLst/>
+          </a:prstGeom>
+        </p:spPr>
+        <p:txBody>
+          <a:bodyPr wrap="square">
+            <a:spAutoFit/>
+          </a:bodyPr>
+          <a:lstStyle/>
+          <a:p>
+            <a:pPr algn="ctr">
+              <a:lnSpc>
+                <a:spcPct val="150000"/>
+              </a:lnSpc>
+            </a:pPr>
+            <a:r>
+              <a:rPr lang="en-US" sz="1600" smtClean="0">
+                <a:latin typeface="Avenir Book" charset="0"/>
+                <a:ea typeface="Avenir Book" charset="0"/>
+                <a:cs typeface="Avenir Book" charset="0"/>
+              </a:rPr>
+              <a:t>Building Tools</a:t>
+            </a:r>
+            <a:endParaRPr lang="en-US" sz="1600" dirty="0">
+              <a:latin typeface="Avenir Book" charset="0"/>
+              <a:ea typeface="Avenir Book" charset="0"/>
+              <a:cs typeface="Avenir Book" charset="0"/>
+            </a:endParaRPr>
+          </a:p>
+        </p:txBody>
+      </p:sp>
+      <p:sp>
+        <p:nvSpPr>
+          <p:cNvPr id="13" name="Rectangle 12"/>
+          <p:cNvSpPr/>
+          <p:nvPr/>
+        </p:nvSpPr>
+        <p:spPr>
+          <a:xfrm>
+            <a:off x="2913319" y="1656458"/>
+            <a:ext cx="2934588" cy="1569660"/>
+          </a:xfrm>
+          <a:prstGeom prst="rect">
+            <a:avLst/>
+          </a:prstGeom>
+        </p:spPr>
+        <p:txBody>
+          <a:bodyPr wrap="square">
+            <a:spAutoFit/>
+          </a:bodyPr>
+          <a:lstStyle/>
+          <a:p>
+            <a:pPr algn="ctr">
+              <a:lnSpc>
+                <a:spcPct val="150000"/>
+              </a:lnSpc>
+            </a:pPr>
+            <a:r>
+              <a:rPr lang="en-US" sz="1600" dirty="0" smtClean="0">
+                <a:latin typeface="Avenir Book" charset="0"/>
+                <a:ea typeface="Avenir Book" charset="0"/>
+                <a:cs typeface="Avenir Book" charset="0"/>
+              </a:rPr>
+              <a:t>Plugging data</a:t>
+            </a:r>
+          </a:p>
+          <a:p>
+            <a:pPr algn="ctr">
+              <a:lnSpc>
+                <a:spcPct val="150000"/>
+              </a:lnSpc>
+            </a:pPr>
+            <a:r>
+              <a:rPr lang="en-US" sz="1600" dirty="0" smtClean="0">
+                <a:latin typeface="Avenir Book" charset="0"/>
+                <a:ea typeface="Avenir Book" charset="0"/>
+                <a:cs typeface="Avenir Book" charset="0"/>
+              </a:rPr>
+              <a:t>Drawing interaction</a:t>
+            </a:r>
+          </a:p>
+          <a:p>
+            <a:pPr algn="ctr">
+              <a:lnSpc>
+                <a:spcPct val="150000"/>
+              </a:lnSpc>
+            </a:pPr>
+            <a:r>
+              <a:rPr lang="en-US" sz="1600" dirty="0" smtClean="0">
+                <a:latin typeface="Avenir Book" charset="0"/>
+                <a:ea typeface="Avenir Book" charset="0"/>
+                <a:cs typeface="Avenir Book" charset="0"/>
+              </a:rPr>
+              <a:t>Visualizing true data</a:t>
+            </a:r>
+          </a:p>
+          <a:p>
+            <a:pPr algn="ctr">
+              <a:lnSpc>
+                <a:spcPct val="150000"/>
+              </a:lnSpc>
+            </a:pPr>
+            <a:r>
+              <a:rPr lang="en-US" sz="1600" dirty="0" smtClean="0">
+                <a:latin typeface="Avenir Book" charset="0"/>
+                <a:ea typeface="Avenir Book" charset="0"/>
+                <a:cs typeface="Avenir Book" charset="0"/>
+              </a:rPr>
+              <a:t>Visualizing aggregated data</a:t>
+            </a:r>
           </a:p>
         </p:txBody>
       </p:sp>
     </p:spTree>
     <p:extLst>
       <p:ext uri="{BB962C8B-B14F-4D97-AF65-F5344CB8AC3E}">
-        <p14:creationId xmlns:p14="http://schemas.microsoft.com/office/powerpoint/2010/main" val="1677908061"/>
+        <p14:creationId xmlns:p14="http://schemas.microsoft.com/office/powerpoint/2010/main" val="180875200"/>
       </p:ext>
     </p:extLst>
   </p:cSld>
   <p:clrMapOvr>
     <a:masterClrMapping/>
   </p:clrMapOvr>
-  <p:timing>
-    <p:tnLst>
-      <p:par>
-        <p:cTn id="1" dur="indefinite" restart="never" nodeType="tmRoot"/>
-      </p:par>
-    </p:tnLst>
-  </p:timing>
 </p:sld>
 </file>
 
@@ -4135,25 +4629,29 @@
           <a:lstStyle/>
           <a:p>
             <a:r>
-              <a:rPr lang="en-US" dirty="0" smtClean="0">
+              <a:rPr lang="en-US" b="1" dirty="0">
                 <a:latin typeface="Avenir Book" charset="0"/>
                 <a:ea typeface="Avenir Book" charset="0"/>
                 <a:cs typeface="Avenir Book" charset="0"/>
               </a:rPr>
-              <a:t>Thanks</a:t>
-            </a:r>
-            <a:endParaRPr lang="en-US" dirty="0">
-              <a:latin typeface="Avenir Book" charset="0"/>
-              <a:ea typeface="Avenir Book" charset="0"/>
-              <a:cs typeface="Avenir Book" charset="0"/>
-            </a:endParaRPr>
+              <a:t>Your current progress.</a:t>
+            </a:r>
+            <a:r>
+              <a:rPr lang="en-US" dirty="0">
+                <a:latin typeface="Avenir Book" charset="0"/>
+                <a:ea typeface="Avenir Book" charset="0"/>
+                <a:cs typeface="Avenir Book" charset="0"/>
+              </a:rPr>
+              <a:t> Use sketches, storyboards, and/or prototype images to communicate your ideas.</a:t>
+            </a:r>
+            <a:endParaRPr lang="en-US" dirty="0"/>
           </a:p>
         </p:txBody>
       </p:sp>
     </p:spTree>
     <p:extLst>
       <p:ext uri="{BB962C8B-B14F-4D97-AF65-F5344CB8AC3E}">
-        <p14:creationId xmlns:p14="http://schemas.microsoft.com/office/powerpoint/2010/main" val="1144756947"/>
+        <p14:creationId xmlns:p14="http://schemas.microsoft.com/office/powerpoint/2010/main" val="1677908061"/>
       </p:ext>
     </p:extLst>
   </p:cSld>

--- a/latex/progress/slides-iwsmith-laulck-yeaseul1.pptx
+++ b/latex/progress/slides-iwsmith-laulck-yeaseul1.pptx
@@ -3209,13 +3209,34 @@
           <a:bodyPr/>
           <a:lstStyle/>
           <a:p>
+            <a:pPr marL="0" indent="0">
+              <a:buNone/>
+            </a:pPr>
+            <a:r>
+              <a:rPr lang="en-US" dirty="0" smtClean="0"/>
+              <a:t>Option listed</a:t>
+            </a:r>
+          </a:p>
+          <a:p>
+            <a:pPr marL="0" indent="0">
+              <a:buNone/>
+            </a:pPr>
+            <a:r>
+              <a:rPr lang="en-US" dirty="0" smtClean="0"/>
+              <a:t>Feedback on feedback </a:t>
+            </a:r>
+          </a:p>
+          <a:p>
+            <a:pPr marL="0" indent="0">
+              <a:buNone/>
+            </a:pPr>
             <a:r>
               <a:rPr lang="en-US" dirty="0" smtClean="0">
                 <a:latin typeface="Avenir Book" charset="0"/>
                 <a:ea typeface="Avenir Book" charset="0"/>
                 <a:cs typeface="Avenir Book" charset="0"/>
               </a:rPr>
-              <a:t>Thanks</a:t>
+              <a:t>Display aggregate </a:t>
             </a:r>
             <a:endParaRPr lang="en-US" dirty="0">
               <a:latin typeface="Avenir Book" charset="0"/>
@@ -3296,6 +3317,10 @@
           <a:bodyPr/>
           <a:lstStyle/>
           <a:p>
+            <a:r>
+              <a:rPr lang="en-US" dirty="0" smtClean="0"/>
+              <a:t>Thanks </a:t>
+            </a:r>
             <a:endParaRPr lang="en-US" dirty="0"/>
           </a:p>
         </p:txBody>
@@ -4490,8 +4515,8 @@
         </p:nvSpPr>
         <p:spPr>
           <a:xfrm>
-            <a:off x="2913319" y="1656458"/>
-            <a:ext cx="2934588" cy="1569660"/>
+            <a:off x="2594344" y="1656458"/>
+            <a:ext cx="3561906" cy="1938992"/>
           </a:xfrm>
           <a:prstGeom prst="rect">
             <a:avLst/>
@@ -4544,8 +4569,21 @@
                 <a:ea typeface="Avenir Book" charset="0"/>
                 <a:cs typeface="Avenir Book" charset="0"/>
               </a:rPr>
-              <a:t>Visualizing true data</a:t>
-            </a:r>
+              <a:t>Visualizing true </a:t>
+            </a:r>
+            <a:r>
+              <a:rPr lang="en-US" sz="1600" dirty="0" smtClean="0">
+                <a:latin typeface="Avenir Book" charset="0"/>
+                <a:ea typeface="Avenir Book" charset="0"/>
+                <a:cs typeface="Avenir Book" charset="0"/>
+              </a:rPr>
+              <a:t>data</a:t>
+            </a:r>
+            <a:endParaRPr lang="en-US" sz="1600" dirty="0" smtClean="0">
+              <a:latin typeface="Avenir Book" charset="0"/>
+              <a:ea typeface="Avenir Book" charset="0"/>
+              <a:cs typeface="Avenir Book" charset="0"/>
+            </a:endParaRPr>
           </a:p>
           <a:p>
             <a:pPr algn="ctr">
@@ -4559,8 +4597,36 @@
                 <a:ea typeface="Avenir Book" charset="0"/>
                 <a:cs typeface="Avenir Book" charset="0"/>
               </a:rPr>
-              <a:t>Visualizing aggregated data</a:t>
-            </a:r>
+              <a:t>Visualizing aggregated </a:t>
+            </a:r>
+            <a:r>
+              <a:rPr lang="en-US" sz="1600" dirty="0" smtClean="0">
+                <a:latin typeface="Avenir Book" charset="0"/>
+                <a:ea typeface="Avenir Book" charset="0"/>
+                <a:cs typeface="Avenir Book" charset="0"/>
+              </a:rPr>
+              <a:t>data</a:t>
+            </a:r>
+          </a:p>
+          <a:p>
+            <a:pPr algn="ctr">
+              <a:lnSpc>
+                <a:spcPct val="150000"/>
+              </a:lnSpc>
+            </a:pPr>
+            <a:r>
+              <a:rPr lang="en-US" sz="1600" dirty="0" smtClean="0">
+                <a:latin typeface="Avenir Book" charset="0"/>
+                <a:ea typeface="Avenir Book" charset="0"/>
+                <a:cs typeface="Avenir Book" charset="0"/>
+              </a:rPr>
+              <a:t>Annotating personalized feedback</a:t>
+            </a:r>
+            <a:endParaRPr lang="en-US" sz="1600" dirty="0" smtClean="0">
+              <a:latin typeface="Avenir Book" charset="0"/>
+              <a:ea typeface="Avenir Book" charset="0"/>
+              <a:cs typeface="Avenir Book" charset="0"/>
+            </a:endParaRPr>
           </a:p>
         </p:txBody>
       </p:sp>
@@ -4574,6 +4640,13 @@
   <p:clrMapOvr>
     <a:masterClrMapping/>
   </p:clrMapOvr>
+  <p:timing>
+    <p:tnLst>
+      <p:par>
+        <p:cTn id="1" dur="indefinite" restart="never" nodeType="tmRoot"/>
+      </p:par>
+    </p:tnLst>
+  </p:timing>
 </p:sld>
 </file>
 

--- a/latex/progress/slides-iwsmith-laulck-yeaseul1.pptx
+++ b/latex/progress/slides-iwsmith-laulck-yeaseul1.pptx
@@ -6,16 +6,19 @@
   </p:sldMasterIdLst>
   <p:sldIdLst>
     <p:sldId id="256" r:id="rId2"/>
-    <p:sldId id="257" r:id="rId3"/>
-    <p:sldId id="258" r:id="rId4"/>
-    <p:sldId id="263" r:id="rId5"/>
-    <p:sldId id="268" r:id="rId6"/>
-    <p:sldId id="269" r:id="rId7"/>
+    <p:sldId id="258" r:id="rId3"/>
+    <p:sldId id="263" r:id="rId4"/>
+    <p:sldId id="268" r:id="rId5"/>
+    <p:sldId id="269" r:id="rId6"/>
+    <p:sldId id="270" r:id="rId7"/>
     <p:sldId id="267" r:id="rId8"/>
-    <p:sldId id="270" r:id="rId9"/>
-    <p:sldId id="260" r:id="rId10"/>
-    <p:sldId id="261" r:id="rId11"/>
-    <p:sldId id="262" r:id="rId12"/>
+    <p:sldId id="271" r:id="rId9"/>
+    <p:sldId id="272" r:id="rId10"/>
+    <p:sldId id="260" r:id="rId11"/>
+    <p:sldId id="273" r:id="rId12"/>
+    <p:sldId id="274" r:id="rId13"/>
+    <p:sldId id="261" r:id="rId14"/>
+    <p:sldId id="262" r:id="rId15"/>
   </p:sldIdLst>
   <p:sldSz cx="9144000" cy="6858000" type="screen4x3"/>
   <p:notesSz cx="6858000" cy="9144000"/>
@@ -3175,70 +3178,309 @@
           <a:chExt cx="0" cy="0"/>
         </a:xfrm>
       </p:grpSpPr>
-      <p:sp>
-        <p:nvSpPr>
-          <p:cNvPr id="2" name="Title 1"/>
-          <p:cNvSpPr>
-            <a:spLocks noGrp="1"/>
-          </p:cNvSpPr>
-          <p:nvPr>
-            <p:ph type="title"/>
-          </p:nvPr>
-        </p:nvSpPr>
-        <p:spPr/>
-        <p:txBody>
-          <a:bodyPr/>
-          <a:lstStyle/>
-          <a:p>
-            <a:endParaRPr lang="en-US"/>
-          </a:p>
-        </p:txBody>
-      </p:sp>
-      <p:sp>
-        <p:nvSpPr>
-          <p:cNvPr id="3" name="Content Placeholder 2"/>
-          <p:cNvSpPr>
-            <a:spLocks noGrp="1"/>
-          </p:cNvSpPr>
-          <p:nvPr>
-            <p:ph idx="1"/>
-          </p:nvPr>
-        </p:nvSpPr>
-        <p:spPr/>
-        <p:txBody>
-          <a:bodyPr/>
-          <a:lstStyle/>
-          <a:p>
-            <a:pPr marL="0" indent="0">
-              <a:buNone/>
-            </a:pPr>
-            <a:r>
-              <a:rPr lang="en-US" dirty="0" smtClean="0"/>
-              <a:t>Option listed</a:t>
-            </a:r>
-          </a:p>
-          <a:p>
-            <a:pPr marL="0" indent="0">
-              <a:buNone/>
-            </a:pPr>
-            <a:r>
-              <a:rPr lang="en-US" dirty="0" smtClean="0"/>
-              <a:t>Feedback on feedback </a:t>
-            </a:r>
-          </a:p>
-          <a:p>
-            <a:pPr marL="0" indent="0">
-              <a:buNone/>
-            </a:pPr>
-            <a:r>
-              <a:rPr lang="en-US" dirty="0" smtClean="0">
+      <p:pic>
+        <p:nvPicPr>
+          <p:cNvPr id="10" name="Picture 9"/>
+          <p:cNvPicPr>
+            <a:picLocks noChangeAspect="1"/>
+          </p:cNvPicPr>
+          <p:nvPr/>
+        </p:nvPicPr>
+        <p:blipFill>
+          <a:blip r:embed="rId2">
+            <a:extLst>
+              <a:ext uri="{28A0092B-C50C-407E-A947-70E740481C1C}">
+                <a14:useLocalDpi xmlns:a14="http://schemas.microsoft.com/office/drawing/2010/main" val="0"/>
+              </a:ext>
+            </a:extLst>
+          </a:blip>
+          <a:stretch>
+            <a:fillRect/>
+          </a:stretch>
+        </p:blipFill>
+        <p:spPr>
+          <a:xfrm>
+            <a:off x="396534" y="1383564"/>
+            <a:ext cx="4232126" cy="2380571"/>
+          </a:xfrm>
+          <a:prstGeom prst="rect">
+            <a:avLst/>
+          </a:prstGeom>
+        </p:spPr>
+      </p:pic>
+      <p:pic>
+        <p:nvPicPr>
+          <p:cNvPr id="11" name="Picture 10"/>
+          <p:cNvPicPr>
+            <a:picLocks noChangeAspect="1"/>
+          </p:cNvPicPr>
+          <p:nvPr/>
+        </p:nvPicPr>
+        <p:blipFill>
+          <a:blip r:embed="rId3">
+            <a:extLst>
+              <a:ext uri="{28A0092B-C50C-407E-A947-70E740481C1C}">
+                <a14:useLocalDpi xmlns:a14="http://schemas.microsoft.com/office/drawing/2010/main" val="0"/>
+              </a:ext>
+            </a:extLst>
+          </a:blip>
+          <a:stretch>
+            <a:fillRect/>
+          </a:stretch>
+        </p:blipFill>
+        <p:spPr>
+          <a:xfrm>
+            <a:off x="4628660" y="1383564"/>
+            <a:ext cx="4232126" cy="2380571"/>
+          </a:xfrm>
+          <a:prstGeom prst="rect">
+            <a:avLst/>
+          </a:prstGeom>
+        </p:spPr>
+      </p:pic>
+      <p:pic>
+        <p:nvPicPr>
+          <p:cNvPr id="13" name="Picture 12"/>
+          <p:cNvPicPr>
+            <a:picLocks noChangeAspect="1"/>
+          </p:cNvPicPr>
+          <p:nvPr/>
+        </p:nvPicPr>
+        <p:blipFill>
+          <a:blip r:embed="rId4">
+            <a:extLst>
+              <a:ext uri="{28A0092B-C50C-407E-A947-70E740481C1C}">
+                <a14:useLocalDpi xmlns:a14="http://schemas.microsoft.com/office/drawing/2010/main" val="0"/>
+              </a:ext>
+            </a:extLst>
+          </a:blip>
+          <a:stretch>
+            <a:fillRect/>
+          </a:stretch>
+        </p:blipFill>
+        <p:spPr>
+          <a:xfrm>
+            <a:off x="4628660" y="4058851"/>
+            <a:ext cx="4232126" cy="2380571"/>
+          </a:xfrm>
+          <a:prstGeom prst="rect">
+            <a:avLst/>
+          </a:prstGeom>
+        </p:spPr>
+      </p:pic>
+      <p:pic>
+        <p:nvPicPr>
+          <p:cNvPr id="15" name="Picture 14"/>
+          <p:cNvPicPr>
+            <a:picLocks noChangeAspect="1"/>
+          </p:cNvPicPr>
+          <p:nvPr/>
+        </p:nvPicPr>
+        <p:blipFill>
+          <a:blip r:embed="rId5">
+            <a:extLst>
+              <a:ext uri="{28A0092B-C50C-407E-A947-70E740481C1C}">
+                <a14:useLocalDpi xmlns:a14="http://schemas.microsoft.com/office/drawing/2010/main" val="0"/>
+              </a:ext>
+            </a:extLst>
+          </a:blip>
+          <a:stretch>
+            <a:fillRect/>
+          </a:stretch>
+        </p:blipFill>
+        <p:spPr>
+          <a:xfrm>
+            <a:off x="396534" y="4058851"/>
+            <a:ext cx="4232126" cy="2380571"/>
+          </a:xfrm>
+          <a:prstGeom prst="rect">
+            <a:avLst/>
+          </a:prstGeom>
+        </p:spPr>
+      </p:pic>
+      <p:sp>
+        <p:nvSpPr>
+          <p:cNvPr id="16" name="Rectangle 15"/>
+          <p:cNvSpPr/>
+          <p:nvPr/>
+        </p:nvSpPr>
+        <p:spPr>
+          <a:xfrm>
+            <a:off x="766941" y="1621099"/>
+            <a:ext cx="312906" cy="369332"/>
+          </a:xfrm>
+          <a:prstGeom prst="rect">
+            <a:avLst/>
+          </a:prstGeom>
+          <a:solidFill>
+            <a:srgbClr val="7F7F7F">
+              <a:alpha val="61176"/>
+            </a:srgbClr>
+          </a:solidFill>
+        </p:spPr>
+        <p:txBody>
+          <a:bodyPr wrap="none">
+            <a:spAutoFit/>
+          </a:bodyPr>
+          <a:lstStyle/>
+          <a:p>
+            <a:r>
+              <a:rPr lang="en-US" b="1" dirty="0" smtClean="0">
                 <a:latin typeface="Avenir Book" charset="0"/>
                 <a:ea typeface="Avenir Book" charset="0"/>
                 <a:cs typeface="Avenir Book" charset="0"/>
               </a:rPr>
-              <a:t>Display aggregate </a:t>
-            </a:r>
-            <a:endParaRPr lang="en-US" dirty="0">
+              <a:t>1</a:t>
+            </a:r>
+            <a:endParaRPr lang="en-US" dirty="0"/>
+          </a:p>
+        </p:txBody>
+      </p:sp>
+      <p:sp>
+        <p:nvSpPr>
+          <p:cNvPr id="17" name="Rectangle 16"/>
+          <p:cNvSpPr/>
+          <p:nvPr/>
+        </p:nvSpPr>
+        <p:spPr>
+          <a:xfrm>
+            <a:off x="4987603" y="1621099"/>
+            <a:ext cx="312906" cy="369332"/>
+          </a:xfrm>
+          <a:prstGeom prst="rect">
+            <a:avLst/>
+          </a:prstGeom>
+          <a:solidFill>
+            <a:srgbClr val="7F7F7F">
+              <a:alpha val="61176"/>
+            </a:srgbClr>
+          </a:solidFill>
+        </p:spPr>
+        <p:txBody>
+          <a:bodyPr wrap="none">
+            <a:spAutoFit/>
+          </a:bodyPr>
+          <a:lstStyle/>
+          <a:p>
+            <a:r>
+              <a:rPr lang="en-US" b="1" dirty="0" smtClean="0">
+                <a:latin typeface="Avenir Book" charset="0"/>
+                <a:ea typeface="Avenir Book" charset="0"/>
+                <a:cs typeface="Avenir Book" charset="0"/>
+              </a:rPr>
+              <a:t>2</a:t>
+            </a:r>
+            <a:endParaRPr lang="en-US" dirty="0"/>
+          </a:p>
+        </p:txBody>
+      </p:sp>
+      <p:sp>
+        <p:nvSpPr>
+          <p:cNvPr id="18" name="Rectangle 17"/>
+          <p:cNvSpPr/>
+          <p:nvPr/>
+        </p:nvSpPr>
+        <p:spPr>
+          <a:xfrm>
+            <a:off x="766941" y="4296652"/>
+            <a:ext cx="312906" cy="369332"/>
+          </a:xfrm>
+          <a:prstGeom prst="rect">
+            <a:avLst/>
+          </a:prstGeom>
+          <a:solidFill>
+            <a:srgbClr val="7F7F7F">
+              <a:alpha val="61176"/>
+            </a:srgbClr>
+          </a:solidFill>
+        </p:spPr>
+        <p:txBody>
+          <a:bodyPr wrap="none">
+            <a:spAutoFit/>
+          </a:bodyPr>
+          <a:lstStyle/>
+          <a:p>
+            <a:r>
+              <a:rPr lang="en-US" b="1" dirty="0" smtClean="0">
+                <a:latin typeface="Avenir Book" charset="0"/>
+                <a:ea typeface="Avenir Book" charset="0"/>
+                <a:cs typeface="Avenir Book" charset="0"/>
+              </a:rPr>
+              <a:t>3</a:t>
+            </a:r>
+            <a:endParaRPr lang="en-US" dirty="0"/>
+          </a:p>
+        </p:txBody>
+      </p:sp>
+      <p:sp>
+        <p:nvSpPr>
+          <p:cNvPr id="19" name="Rectangle 18"/>
+          <p:cNvSpPr/>
+          <p:nvPr/>
+        </p:nvSpPr>
+        <p:spPr>
+          <a:xfrm>
+            <a:off x="4994693" y="4296652"/>
+            <a:ext cx="312906" cy="369332"/>
+          </a:xfrm>
+          <a:prstGeom prst="rect">
+            <a:avLst/>
+          </a:prstGeom>
+          <a:solidFill>
+            <a:srgbClr val="7F7F7F">
+              <a:alpha val="61176"/>
+            </a:srgbClr>
+          </a:solidFill>
+        </p:spPr>
+        <p:txBody>
+          <a:bodyPr wrap="none">
+            <a:spAutoFit/>
+          </a:bodyPr>
+          <a:lstStyle/>
+          <a:p>
+            <a:r>
+              <a:rPr lang="en-US" b="1" dirty="0" smtClean="0">
+                <a:latin typeface="Avenir Book" charset="0"/>
+                <a:ea typeface="Avenir Book" charset="0"/>
+                <a:cs typeface="Avenir Book" charset="0"/>
+              </a:rPr>
+              <a:t>4</a:t>
+            </a:r>
+            <a:endParaRPr lang="en-US" dirty="0"/>
+          </a:p>
+        </p:txBody>
+      </p:sp>
+      <p:sp>
+        <p:nvSpPr>
+          <p:cNvPr id="20" name="Rectangle 19"/>
+          <p:cNvSpPr/>
+          <p:nvPr/>
+        </p:nvSpPr>
+        <p:spPr>
+          <a:xfrm>
+            <a:off x="3871871" y="621636"/>
+            <a:ext cx="4367542" cy="584775"/>
+          </a:xfrm>
+          <a:prstGeom prst="rect">
+            <a:avLst/>
+          </a:prstGeom>
+        </p:spPr>
+        <p:txBody>
+          <a:bodyPr wrap="none">
+            <a:spAutoFit/>
+          </a:bodyPr>
+          <a:lstStyle/>
+          <a:p>
+            <a:pPr algn="r"/>
+            <a:r>
+              <a:rPr lang="en-GB" sz="3200" i="1" dirty="0" smtClean="0">
+                <a:latin typeface="Avenir Book" charset="0"/>
+                <a:ea typeface="Avenir Book" charset="0"/>
+                <a:cs typeface="Avenir Book" charset="0"/>
+              </a:rPr>
+              <a:t>Storyboard – Bar Chart</a:t>
+            </a:r>
+            <a:endParaRPr lang="en-US" sz="3200" dirty="0">
               <a:latin typeface="Avenir Book" charset="0"/>
               <a:ea typeface="Avenir Book" charset="0"/>
               <a:cs typeface="Avenir Book" charset="0"/>
@@ -3249,7 +3491,7 @@
     </p:spTree>
     <p:extLst>
       <p:ext uri="{BB962C8B-B14F-4D97-AF65-F5344CB8AC3E}">
-        <p14:creationId xmlns:p14="http://schemas.microsoft.com/office/powerpoint/2010/main" val="1144756947"/>
+        <p14:creationId xmlns:p14="http://schemas.microsoft.com/office/powerpoint/2010/main" val="1677908061"/>
       </p:ext>
     </p:extLst>
   </p:cSld>
@@ -3285,6 +3527,491 @@
       </p:grpSpPr>
       <p:sp>
         <p:nvSpPr>
+          <p:cNvPr id="4" name="Rectangle 3"/>
+          <p:cNvSpPr/>
+          <p:nvPr/>
+        </p:nvSpPr>
+        <p:spPr>
+          <a:xfrm>
+            <a:off x="6255536" y="621636"/>
+            <a:ext cx="1983877" cy="584775"/>
+          </a:xfrm>
+          <a:prstGeom prst="rect">
+            <a:avLst/>
+          </a:prstGeom>
+        </p:spPr>
+        <p:txBody>
+          <a:bodyPr wrap="none">
+            <a:spAutoFit/>
+          </a:bodyPr>
+          <a:lstStyle/>
+          <a:p>
+            <a:pPr algn="r"/>
+            <a:r>
+              <a:rPr lang="en-GB" sz="3200" i="1" dirty="0" smtClean="0">
+                <a:latin typeface="Avenir Book" charset="0"/>
+                <a:ea typeface="Avenir Book" charset="0"/>
+                <a:cs typeface="Avenir Book" charset="0"/>
+              </a:rPr>
+              <a:t>Prototype</a:t>
+            </a:r>
+            <a:endParaRPr lang="en-US" sz="3200" dirty="0">
+              <a:latin typeface="Avenir Book" charset="0"/>
+              <a:ea typeface="Avenir Book" charset="0"/>
+              <a:cs typeface="Avenir Book" charset="0"/>
+            </a:endParaRPr>
+          </a:p>
+        </p:txBody>
+      </p:sp>
+      <p:pic>
+        <p:nvPicPr>
+          <p:cNvPr id="5" name="Picture 4"/>
+          <p:cNvPicPr>
+            <a:picLocks noChangeAspect="1"/>
+          </p:cNvPicPr>
+          <p:nvPr/>
+        </p:nvPicPr>
+        <p:blipFill>
+          <a:blip r:embed="rId2">
+            <a:extLst>
+              <a:ext uri="{28A0092B-C50C-407E-A947-70E740481C1C}">
+                <a14:useLocalDpi xmlns:a14="http://schemas.microsoft.com/office/drawing/2010/main" val="0"/>
+              </a:ext>
+            </a:extLst>
+          </a:blip>
+          <a:stretch>
+            <a:fillRect/>
+          </a:stretch>
+        </p:blipFill>
+        <p:spPr>
+          <a:xfrm>
+            <a:off x="1424762" y="2125330"/>
+            <a:ext cx="6464595" cy="4058257"/>
+          </a:xfrm>
+          <a:prstGeom prst="rect">
+            <a:avLst/>
+          </a:prstGeom>
+        </p:spPr>
+      </p:pic>
+    </p:spTree>
+    <p:extLst>
+      <p:ext uri="{BB962C8B-B14F-4D97-AF65-F5344CB8AC3E}">
+        <p14:creationId xmlns:p14="http://schemas.microsoft.com/office/powerpoint/2010/main" val="1852285703"/>
+      </p:ext>
+    </p:extLst>
+  </p:cSld>
+  <p:clrMapOvr>
+    <a:masterClrMapping/>
+  </p:clrMapOvr>
+</p:sld>
+</file>
+
+<file path=ppt/slides/slide12.xml><?xml version="1.0" encoding="utf-8"?>
+<p:sld xmlns:a="http://schemas.openxmlformats.org/drawingml/2006/main" xmlns:r="http://schemas.openxmlformats.org/officeDocument/2006/relationships" xmlns:p="http://schemas.openxmlformats.org/presentationml/2006/main">
+  <p:cSld>
+    <p:spTree>
+      <p:nvGrpSpPr>
+        <p:cNvPr id="1" name=""/>
+        <p:cNvGrpSpPr/>
+        <p:nvPr/>
+      </p:nvGrpSpPr>
+      <p:grpSpPr>
+        <a:xfrm>
+          <a:off x="0" y="0"/>
+          <a:ext cx="0" cy="0"/>
+          <a:chOff x="0" y="0"/>
+          <a:chExt cx="0" cy="0"/>
+        </a:xfrm>
+      </p:grpSpPr>
+      <p:sp>
+        <p:nvSpPr>
+          <p:cNvPr id="4" name="Rectangle 3"/>
+          <p:cNvSpPr/>
+          <p:nvPr/>
+        </p:nvSpPr>
+        <p:spPr>
+          <a:xfrm>
+            <a:off x="6255536" y="621636"/>
+            <a:ext cx="1983877" cy="584775"/>
+          </a:xfrm>
+          <a:prstGeom prst="rect">
+            <a:avLst/>
+          </a:prstGeom>
+        </p:spPr>
+        <p:txBody>
+          <a:bodyPr wrap="none">
+            <a:spAutoFit/>
+          </a:bodyPr>
+          <a:lstStyle/>
+          <a:p>
+            <a:pPr algn="r"/>
+            <a:r>
+              <a:rPr lang="en-GB" sz="3200" i="1" dirty="0" smtClean="0">
+                <a:latin typeface="Avenir Book" charset="0"/>
+                <a:ea typeface="Avenir Book" charset="0"/>
+                <a:cs typeface="Avenir Book" charset="0"/>
+              </a:rPr>
+              <a:t>Prototype</a:t>
+            </a:r>
+            <a:endParaRPr lang="en-US" sz="3200" dirty="0">
+              <a:latin typeface="Avenir Book" charset="0"/>
+              <a:ea typeface="Avenir Book" charset="0"/>
+              <a:cs typeface="Avenir Book" charset="0"/>
+            </a:endParaRPr>
+          </a:p>
+        </p:txBody>
+      </p:sp>
+      <p:pic>
+        <p:nvPicPr>
+          <p:cNvPr id="5" name="Picture 4"/>
+          <p:cNvPicPr>
+            <a:picLocks noChangeAspect="1"/>
+          </p:cNvPicPr>
+          <p:nvPr/>
+        </p:nvPicPr>
+        <p:blipFill>
+          <a:blip r:embed="rId2">
+            <a:extLst>
+              <a:ext uri="{28A0092B-C50C-407E-A947-70E740481C1C}">
+                <a14:useLocalDpi xmlns:a14="http://schemas.microsoft.com/office/drawing/2010/main" val="0"/>
+              </a:ext>
+            </a:extLst>
+          </a:blip>
+          <a:stretch>
+            <a:fillRect/>
+          </a:stretch>
+        </p:blipFill>
+        <p:spPr>
+          <a:xfrm>
+            <a:off x="1424762" y="2125330"/>
+            <a:ext cx="6464595" cy="4058257"/>
+          </a:xfrm>
+          <a:prstGeom prst="rect">
+            <a:avLst/>
+          </a:prstGeom>
+        </p:spPr>
+      </p:pic>
+      <p:pic>
+        <p:nvPicPr>
+          <p:cNvPr id="2" name="Picture 1"/>
+          <p:cNvPicPr>
+            <a:picLocks noChangeAspect="1"/>
+          </p:cNvPicPr>
+          <p:nvPr/>
+        </p:nvPicPr>
+        <p:blipFill rotWithShape="1">
+          <a:blip r:embed="rId3">
+            <a:extLst>
+              <a:ext uri="{28A0092B-C50C-407E-A947-70E740481C1C}">
+                <a14:useLocalDpi xmlns:a14="http://schemas.microsoft.com/office/drawing/2010/main" val="0"/>
+              </a:ext>
+            </a:extLst>
+          </a:blip>
+          <a:srcRect l="5039" t="15053" r="3333" b="11313"/>
+          <a:stretch/>
+        </p:blipFill>
+        <p:spPr>
+          <a:xfrm>
+            <a:off x="1757915" y="2736111"/>
+            <a:ext cx="6081097" cy="2870791"/>
+          </a:xfrm>
+          <a:prstGeom prst="rect">
+            <a:avLst/>
+          </a:prstGeom>
+        </p:spPr>
+      </p:pic>
+    </p:spTree>
+    <p:extLst>
+      <p:ext uri="{BB962C8B-B14F-4D97-AF65-F5344CB8AC3E}">
+        <p14:creationId xmlns:p14="http://schemas.microsoft.com/office/powerpoint/2010/main" val="678343235"/>
+      </p:ext>
+    </p:extLst>
+  </p:cSld>
+  <p:clrMapOvr>
+    <a:masterClrMapping/>
+  </p:clrMapOvr>
+</p:sld>
+</file>
+
+<file path=ppt/slides/slide13.xml><?xml version="1.0" encoding="utf-8"?>
+<p:sld xmlns:a="http://schemas.openxmlformats.org/drawingml/2006/main" xmlns:r="http://schemas.openxmlformats.org/officeDocument/2006/relationships" xmlns:p="http://schemas.openxmlformats.org/presentationml/2006/main">
+  <p:cSld>
+    <p:spTree>
+      <p:nvGrpSpPr>
+        <p:cNvPr id="1" name=""/>
+        <p:cNvGrpSpPr/>
+        <p:nvPr/>
+      </p:nvGrpSpPr>
+      <p:grpSpPr>
+        <a:xfrm>
+          <a:off x="0" y="0"/>
+          <a:ext cx="0" cy="0"/>
+          <a:chOff x="0" y="0"/>
+          <a:chExt cx="0" cy="0"/>
+        </a:xfrm>
+      </p:grpSpPr>
+      <p:pic>
+        <p:nvPicPr>
+          <p:cNvPr id="4" name="Picture 3"/>
+          <p:cNvPicPr>
+            <a:picLocks noChangeAspect="1"/>
+          </p:cNvPicPr>
+          <p:nvPr/>
+        </p:nvPicPr>
+        <p:blipFill>
+          <a:blip r:embed="rId2">
+            <a:extLst>
+              <a:ext uri="{28A0092B-C50C-407E-A947-70E740481C1C}">
+                <a14:useLocalDpi xmlns:a14="http://schemas.microsoft.com/office/drawing/2010/main" val="0"/>
+              </a:ext>
+            </a:extLst>
+          </a:blip>
+          <a:stretch>
+            <a:fillRect/>
+          </a:stretch>
+        </p:blipFill>
+        <p:spPr>
+          <a:xfrm>
+            <a:off x="1646621" y="1578391"/>
+            <a:ext cx="2964827" cy="1667715"/>
+          </a:xfrm>
+          <a:prstGeom prst="rect">
+            <a:avLst/>
+          </a:prstGeom>
+        </p:spPr>
+      </p:pic>
+      <p:pic>
+        <p:nvPicPr>
+          <p:cNvPr id="5" name="Picture 4"/>
+          <p:cNvPicPr>
+            <a:picLocks noChangeAspect="1"/>
+          </p:cNvPicPr>
+          <p:nvPr/>
+        </p:nvPicPr>
+        <p:blipFill>
+          <a:blip r:embed="rId3">
+            <a:extLst>
+              <a:ext uri="{28A0092B-C50C-407E-A947-70E740481C1C}">
+                <a14:useLocalDpi xmlns:a14="http://schemas.microsoft.com/office/drawing/2010/main" val="0"/>
+              </a:ext>
+            </a:extLst>
+          </a:blip>
+          <a:stretch>
+            <a:fillRect/>
+          </a:stretch>
+        </p:blipFill>
+        <p:spPr>
+          <a:xfrm>
+            <a:off x="4611448" y="1578391"/>
+            <a:ext cx="2964827" cy="1667715"/>
+          </a:xfrm>
+          <a:prstGeom prst="rect">
+            <a:avLst/>
+          </a:prstGeom>
+        </p:spPr>
+      </p:pic>
+      <p:pic>
+        <p:nvPicPr>
+          <p:cNvPr id="6" name="Picture 5"/>
+          <p:cNvPicPr>
+            <a:picLocks noChangeAspect="1"/>
+          </p:cNvPicPr>
+          <p:nvPr/>
+        </p:nvPicPr>
+        <p:blipFill>
+          <a:blip r:embed="rId4">
+            <a:extLst>
+              <a:ext uri="{28A0092B-C50C-407E-A947-70E740481C1C}">
+                <a14:useLocalDpi xmlns:a14="http://schemas.microsoft.com/office/drawing/2010/main" val="0"/>
+              </a:ext>
+            </a:extLst>
+          </a:blip>
+          <a:stretch>
+            <a:fillRect/>
+          </a:stretch>
+        </p:blipFill>
+        <p:spPr>
+          <a:xfrm>
+            <a:off x="4611448" y="3222424"/>
+            <a:ext cx="2924391" cy="1644970"/>
+          </a:xfrm>
+          <a:prstGeom prst="rect">
+            <a:avLst/>
+          </a:prstGeom>
+        </p:spPr>
+      </p:pic>
+      <p:pic>
+        <p:nvPicPr>
+          <p:cNvPr id="7" name="Picture 6"/>
+          <p:cNvPicPr>
+            <a:picLocks noChangeAspect="1"/>
+          </p:cNvPicPr>
+          <p:nvPr/>
+        </p:nvPicPr>
+        <p:blipFill>
+          <a:blip r:embed="rId5">
+            <a:extLst>
+              <a:ext uri="{28A0092B-C50C-407E-A947-70E740481C1C}">
+                <a14:useLocalDpi xmlns:a14="http://schemas.microsoft.com/office/drawing/2010/main" val="0"/>
+              </a:ext>
+            </a:extLst>
+          </a:blip>
+          <a:stretch>
+            <a:fillRect/>
+          </a:stretch>
+        </p:blipFill>
+        <p:spPr>
+          <a:xfrm>
+            <a:off x="1679530" y="3222424"/>
+            <a:ext cx="2924391" cy="1644970"/>
+          </a:xfrm>
+          <a:prstGeom prst="rect">
+            <a:avLst/>
+          </a:prstGeom>
+        </p:spPr>
+      </p:pic>
+      <p:sp>
+        <p:nvSpPr>
+          <p:cNvPr id="8" name="Rectangle 7"/>
+          <p:cNvSpPr/>
+          <p:nvPr/>
+        </p:nvSpPr>
+        <p:spPr>
+          <a:xfrm>
+            <a:off x="6201676" y="621636"/>
+            <a:ext cx="2037737" cy="584775"/>
+          </a:xfrm>
+          <a:prstGeom prst="rect">
+            <a:avLst/>
+          </a:prstGeom>
+        </p:spPr>
+        <p:txBody>
+          <a:bodyPr wrap="none">
+            <a:spAutoFit/>
+          </a:bodyPr>
+          <a:lstStyle/>
+          <a:p>
+            <a:pPr algn="r"/>
+            <a:r>
+              <a:rPr lang="en-US" sz="3200" i="1" dirty="0" smtClean="0">
+                <a:latin typeface="Avenir Book" charset="0"/>
+                <a:ea typeface="Avenir Book" charset="0"/>
+                <a:cs typeface="Avenir Book" charset="0"/>
+              </a:rPr>
+              <a:t>Questions</a:t>
+            </a:r>
+            <a:endParaRPr lang="en-US" sz="3200" dirty="0">
+              <a:latin typeface="Avenir Book" charset="0"/>
+              <a:ea typeface="Avenir Book" charset="0"/>
+              <a:cs typeface="Avenir Book" charset="0"/>
+            </a:endParaRPr>
+          </a:p>
+        </p:txBody>
+      </p:sp>
+      <p:sp>
+        <p:nvSpPr>
+          <p:cNvPr id="10" name="Rectangle 9"/>
+          <p:cNvSpPr/>
+          <p:nvPr/>
+        </p:nvSpPr>
+        <p:spPr>
+          <a:xfrm>
+            <a:off x="1913862" y="5260639"/>
+            <a:ext cx="4727944" cy="923330"/>
+          </a:xfrm>
+          <a:prstGeom prst="rect">
+            <a:avLst/>
+          </a:prstGeom>
+        </p:spPr>
+        <p:txBody>
+          <a:bodyPr wrap="square">
+            <a:spAutoFit/>
+          </a:bodyPr>
+          <a:lstStyle/>
+          <a:p>
+            <a:pPr>
+              <a:lnSpc>
+                <a:spcPct val="150000"/>
+              </a:lnSpc>
+            </a:pPr>
+            <a:r>
+              <a:rPr lang="en-US" dirty="0" smtClean="0">
+                <a:latin typeface="Avenir Book" charset="0"/>
+                <a:ea typeface="Avenir Book" charset="0"/>
+                <a:cs typeface="Avenir Book" charset="0"/>
+              </a:rPr>
+              <a:t>How to visualize aggregated data? </a:t>
+            </a:r>
+          </a:p>
+          <a:p>
+            <a:pPr>
+              <a:lnSpc>
+                <a:spcPct val="150000"/>
+              </a:lnSpc>
+            </a:pPr>
+            <a:r>
+              <a:rPr lang="en-US" dirty="0" smtClean="0">
+                <a:latin typeface="Avenir Book" charset="0"/>
+                <a:ea typeface="Avenir Book" charset="0"/>
+                <a:cs typeface="Avenir Book" charset="0"/>
+              </a:rPr>
+              <a:t>How to annotate personalized feedback?</a:t>
+            </a:r>
+            <a:r>
+              <a:rPr lang="en-US" dirty="0" smtClean="0">
+                <a:latin typeface="Avenir Book" charset="0"/>
+                <a:ea typeface="Avenir Book" charset="0"/>
+                <a:cs typeface="Avenir Book" charset="0"/>
+              </a:rPr>
+              <a:t> </a:t>
+            </a:r>
+            <a:endParaRPr lang="en-US" dirty="0" smtClean="0">
+              <a:latin typeface="Avenir Book" charset="0"/>
+              <a:ea typeface="Avenir Book" charset="0"/>
+              <a:cs typeface="Avenir Book" charset="0"/>
+            </a:endParaRPr>
+          </a:p>
+        </p:txBody>
+      </p:sp>
+    </p:spTree>
+    <p:extLst>
+      <p:ext uri="{BB962C8B-B14F-4D97-AF65-F5344CB8AC3E}">
+        <p14:creationId xmlns:p14="http://schemas.microsoft.com/office/powerpoint/2010/main" val="1144756947"/>
+      </p:ext>
+    </p:extLst>
+  </p:cSld>
+  <p:clrMapOvr>
+    <a:masterClrMapping/>
+  </p:clrMapOvr>
+  <p:timing>
+    <p:tnLst>
+      <p:par>
+        <p:cTn id="1" dur="indefinite" restart="never" nodeType="tmRoot"/>
+      </p:par>
+    </p:tnLst>
+  </p:timing>
+</p:sld>
+</file>
+
+<file path=ppt/slides/slide14.xml><?xml version="1.0" encoding="utf-8"?>
+<p:sld xmlns:a="http://schemas.openxmlformats.org/drawingml/2006/main" xmlns:r="http://schemas.openxmlformats.org/officeDocument/2006/relationships" xmlns:p="http://schemas.openxmlformats.org/presentationml/2006/main">
+  <p:cSld>
+    <p:spTree>
+      <p:nvGrpSpPr>
+        <p:cNvPr id="1" name=""/>
+        <p:cNvGrpSpPr/>
+        <p:nvPr/>
+      </p:nvGrpSpPr>
+      <p:grpSpPr>
+        <a:xfrm>
+          <a:off x="0" y="0"/>
+          <a:ext cx="0" cy="0"/>
+          <a:chOff x="0" y="0"/>
+          <a:chExt cx="0" cy="0"/>
+        </a:xfrm>
+      </p:grpSpPr>
+      <p:sp>
+        <p:nvSpPr>
           <p:cNvPr id="2" name="Title 1"/>
           <p:cNvSpPr>
             <a:spLocks noGrp="1"/>
@@ -3293,33 +4020,19 @@
             <p:ph type="title"/>
           </p:nvPr>
         </p:nvSpPr>
-        <p:spPr/>
+        <p:spPr>
+          <a:xfrm>
+            <a:off x="628650" y="2548345"/>
+            <a:ext cx="7886700" cy="1325563"/>
+          </a:xfrm>
+        </p:spPr>
         <p:txBody>
           <a:bodyPr/>
           <a:lstStyle/>
           <a:p>
-            <a:endParaRPr lang="en-US"/>
-          </a:p>
-        </p:txBody>
-      </p:sp>
-      <p:sp>
-        <p:nvSpPr>
-          <p:cNvPr id="3" name="Content Placeholder 2"/>
-          <p:cNvSpPr>
-            <a:spLocks noGrp="1"/>
-          </p:cNvSpPr>
-          <p:nvPr>
-            <p:ph idx="1"/>
-          </p:nvPr>
-        </p:nvSpPr>
-        <p:spPr/>
-        <p:txBody>
-          <a:bodyPr/>
-          <a:lstStyle/>
-          <a:p>
             <a:r>
               <a:rPr lang="en-US" dirty="0" smtClean="0"/>
-              <a:t>Thanks </a:t>
+              <a:t>Thank you!</a:t>
             </a:r>
             <a:endParaRPr lang="en-US" dirty="0"/>
           </a:p>
@@ -3364,25 +4077,6 @@
       </p:grpSpPr>
       <p:sp>
         <p:nvSpPr>
-          <p:cNvPr id="2" name="Title 1"/>
-          <p:cNvSpPr>
-            <a:spLocks noGrp="1"/>
-          </p:cNvSpPr>
-          <p:nvPr>
-            <p:ph type="title"/>
-          </p:nvPr>
-        </p:nvSpPr>
-        <p:spPr/>
-        <p:txBody>
-          <a:bodyPr/>
-          <a:lstStyle/>
-          <a:p>
-            <a:endParaRPr lang="en-US" dirty="0"/>
-          </a:p>
-        </p:txBody>
-      </p:sp>
-      <p:sp>
-        <p:nvSpPr>
           <p:cNvPr id="3" name="Content Placeholder 2"/>
           <p:cNvSpPr>
             <a:spLocks noGrp="1"/>
@@ -3393,8 +4087,8 @@
         </p:nvSpPr>
         <p:spPr>
           <a:xfrm>
-            <a:off x="628650" y="2226469"/>
-            <a:ext cx="7886700" cy="3582896"/>
+            <a:off x="329609" y="2534278"/>
+            <a:ext cx="8484782" cy="1789445"/>
           </a:xfrm>
         </p:spPr>
         <p:txBody>
@@ -3403,178 +4097,32 @@
           </a:bodyPr>
           <a:lstStyle/>
           <a:p>
-            <a:r>
-              <a:rPr lang="en-US" sz="1200" dirty="0">
-                <a:latin typeface="Avenir Book" charset="0"/>
-                <a:ea typeface="Avenir Book" charset="0"/>
-                <a:cs typeface="Avenir Book" charset="0"/>
-              </a:rPr>
-              <a:t>A good way to assess the strengths and weaknesses of your project is to present your ideas to your classmates for feedback. Thus, each group will be expected to present their project idea and current status to a subset of the class. The presentation should expand on the the project proposal and include the following material.</a:t>
-            </a:r>
-          </a:p>
-          <a:p>
-            <a:r>
-              <a:rPr lang="en-US" sz="1200" dirty="0">
-                <a:latin typeface="Avenir Book" charset="0"/>
-                <a:ea typeface="Avenir Book" charset="0"/>
-                <a:cs typeface="Avenir Book" charset="0"/>
-              </a:rPr>
-              <a:t>Your presentation to the class should include:</a:t>
-            </a:r>
-          </a:p>
-          <a:p>
-            <a:r>
-              <a:rPr lang="en-US" sz="1200" b="1" dirty="0">
-                <a:latin typeface="Avenir Book" charset="0"/>
-                <a:ea typeface="Avenir Book" charset="0"/>
-                <a:cs typeface="Avenir Book" charset="0"/>
-              </a:rPr>
-              <a:t>A description of the problem</a:t>
-            </a:r>
-            <a:r>
-              <a:rPr lang="en-US" sz="1200" dirty="0">
-                <a:latin typeface="Avenir Book" charset="0"/>
-                <a:ea typeface="Avenir Book" charset="0"/>
-                <a:cs typeface="Avenir Book" charset="0"/>
-              </a:rPr>
-              <a:t> you will address and motivation explaining why it is worth addressing.</a:t>
-            </a:r>
-          </a:p>
-          <a:p>
-            <a:r>
-              <a:rPr lang="en-US" sz="1200" dirty="0">
-                <a:latin typeface="Avenir Book" charset="0"/>
-                <a:ea typeface="Avenir Book" charset="0"/>
-                <a:cs typeface="Avenir Book" charset="0"/>
-              </a:rPr>
-              <a:t>In your description you should mention 1-2 pieces of the most </a:t>
-            </a:r>
-            <a:r>
-              <a:rPr lang="en-US" sz="1200" b="1" dirty="0">
-                <a:latin typeface="Avenir Book" charset="0"/>
-                <a:ea typeface="Avenir Book" charset="0"/>
-                <a:cs typeface="Avenir Book" charset="0"/>
-              </a:rPr>
-              <a:t>relevant prior work</a:t>
-            </a:r>
-            <a:r>
-              <a:rPr lang="en-US" sz="1200" dirty="0">
-                <a:latin typeface="Avenir Book" charset="0"/>
-                <a:ea typeface="Avenir Book" charset="0"/>
-                <a:cs typeface="Avenir Book" charset="0"/>
-              </a:rPr>
-              <a:t>, and discuss </a:t>
-            </a:r>
-            <a:r>
-              <a:rPr lang="en-US" sz="1200" b="1" dirty="0">
-                <a:latin typeface="Avenir Book" charset="0"/>
-                <a:ea typeface="Avenir Book" charset="0"/>
-                <a:cs typeface="Avenir Book" charset="0"/>
-              </a:rPr>
-              <a:t>how your project is different</a:t>
-            </a:r>
-            <a:r>
-              <a:rPr lang="en-US" sz="1200" dirty="0">
-                <a:latin typeface="Avenir Book" charset="0"/>
-                <a:ea typeface="Avenir Book" charset="0"/>
-                <a:cs typeface="Avenir Book" charset="0"/>
-              </a:rPr>
-              <a:t>.</a:t>
-            </a:r>
-          </a:p>
-          <a:p>
-            <a:r>
-              <a:rPr lang="en-US" sz="1200" b="1" dirty="0">
-                <a:latin typeface="Avenir Book" charset="0"/>
-                <a:ea typeface="Avenir Book" charset="0"/>
-                <a:cs typeface="Avenir Book" charset="0"/>
-              </a:rPr>
-              <a:t>Your current progress.</a:t>
-            </a:r>
-            <a:r>
-              <a:rPr lang="en-US" sz="1200" dirty="0">
-                <a:latin typeface="Avenir Book" charset="0"/>
-                <a:ea typeface="Avenir Book" charset="0"/>
-                <a:cs typeface="Avenir Book" charset="0"/>
-              </a:rPr>
-              <a:t> Use sketches, storyboards, and/or prototype images to communicate your ideas. It is a good idea to highlight issues of design or implementation for which you would like to get feedback from the class. End your talk with a single slide containing questions you'd like feedback on.</a:t>
-            </a:r>
-          </a:p>
-          <a:p>
-            <a:r>
-              <a:rPr lang="en-US" sz="1200" dirty="0">
-                <a:latin typeface="Avenir Book" charset="0"/>
-                <a:ea typeface="Avenir Book" charset="0"/>
-                <a:cs typeface="Avenir Book" charset="0"/>
-              </a:rPr>
-              <a:t>Keep your presentation concise – no more than a few (3-4) minutes. Use at least half of that time to discuss your design ideas and completion plan. It is difficult to communicate effectively in such a short time span: carefully revise your materials and practice your talk to avoid rambling and unnecessary description.</a:t>
-            </a:r>
-          </a:p>
-          <a:p>
-            <a:r>
-              <a:rPr lang="en-US" sz="1200" dirty="0">
-                <a:latin typeface="Avenir Book" charset="0"/>
-                <a:ea typeface="Avenir Book" charset="0"/>
-                <a:cs typeface="Avenir Book" charset="0"/>
-              </a:rPr>
-              <a:t>You should also submit a progress report, which include:</a:t>
-            </a:r>
-          </a:p>
-          <a:p>
-            <a:r>
-              <a:rPr lang="en-US" sz="1200" b="1" dirty="0">
-                <a:latin typeface="Avenir Book" charset="0"/>
-                <a:ea typeface="Avenir Book" charset="0"/>
-                <a:cs typeface="Avenir Book" charset="0"/>
-              </a:rPr>
-              <a:t>Literature Review. </a:t>
-            </a:r>
-            <a:r>
-              <a:rPr lang="en-US" sz="1200" dirty="0">
-                <a:latin typeface="Avenir Book" charset="0"/>
-                <a:ea typeface="Avenir Book" charset="0"/>
-                <a:cs typeface="Avenir Book" charset="0"/>
-              </a:rPr>
-              <a:t>A background survey of related work and a full list of references.</a:t>
-            </a:r>
-          </a:p>
-          <a:p>
-            <a:r>
-              <a:rPr lang="en-US" sz="1200" b="1" dirty="0">
-                <a:latin typeface="Avenir Book" charset="0"/>
-                <a:ea typeface="Avenir Book" charset="0"/>
-                <a:cs typeface="Avenir Book" charset="0"/>
-              </a:rPr>
-              <a:t>Project Plan.</a:t>
-            </a:r>
-            <a:r>
-              <a:rPr lang="en-US" sz="1200" dirty="0">
-                <a:latin typeface="Avenir Book" charset="0"/>
-                <a:ea typeface="Avenir Book" charset="0"/>
-                <a:cs typeface="Avenir Book" charset="0"/>
-              </a:rPr>
-              <a:t> A list of milestones breaking the project into smaller chunks and a description of what each person in the group will work on</a:t>
-            </a:r>
-            <a:r>
-              <a:rPr lang="en-US" sz="1200" dirty="0" smtClean="0">
-                <a:latin typeface="Avenir Book" charset="0"/>
-                <a:ea typeface="Avenir Book" charset="0"/>
-                <a:cs typeface="Avenir Book" charset="0"/>
-              </a:rPr>
-              <a:t>.</a:t>
-            </a:r>
-            <a:endParaRPr lang="en-US" sz="1200" dirty="0">
-              <a:latin typeface="Avenir Book" charset="0"/>
-              <a:ea typeface="Avenir Book" charset="0"/>
-              <a:cs typeface="Avenir Book" charset="0"/>
-            </a:endParaRPr>
+            <a:pPr marL="0" indent="0" algn="ctr">
+              <a:spcBef>
+                <a:spcPts val="1500"/>
+              </a:spcBef>
+              <a:buNone/>
+            </a:pPr>
+            <a:r>
+              <a:rPr lang="en-GB" sz="3600" i="1" dirty="0" smtClean="0"/>
+              <a:t>“What </a:t>
+            </a:r>
+            <a:r>
+              <a:rPr lang="en-GB" sz="3600" i="1" dirty="0"/>
+              <a:t>if visualizations allowed people to draw their expectations of the data prior to viewing</a:t>
+            </a:r>
+            <a:r>
+              <a:rPr lang="en-GB" sz="3600" i="1" dirty="0" smtClean="0"/>
+              <a:t>?“</a:t>
+            </a:r>
+            <a:endParaRPr lang="en-US" sz="3600" i="1" dirty="0"/>
           </a:p>
         </p:txBody>
       </p:sp>
     </p:spTree>
     <p:extLst>
       <p:ext uri="{BB962C8B-B14F-4D97-AF65-F5344CB8AC3E}">
-        <p14:creationId xmlns:p14="http://schemas.microsoft.com/office/powerpoint/2010/main" val="1119633525"/>
+        <p14:creationId xmlns:p14="http://schemas.microsoft.com/office/powerpoint/2010/main" val="272620365"/>
       </p:ext>
     </p:extLst>
   </p:cSld>
@@ -3608,51 +4156,40 @@
           <a:chExt cx="0" cy="0"/>
         </a:xfrm>
       </p:grpSpPr>
-      <p:sp>
-        <p:nvSpPr>
-          <p:cNvPr id="3" name="Content Placeholder 2"/>
-          <p:cNvSpPr>
-            <a:spLocks noGrp="1"/>
-          </p:cNvSpPr>
-          <p:nvPr>
-            <p:ph idx="1"/>
-          </p:nvPr>
-        </p:nvSpPr>
-        <p:spPr>
-          <a:xfrm>
-            <a:off x="350874" y="2474211"/>
-            <a:ext cx="8484782" cy="1789445"/>
-          </a:xfrm>
-        </p:spPr>
-        <p:txBody>
-          <a:bodyPr>
-            <a:noAutofit/>
-          </a:bodyPr>
-          <a:lstStyle/>
-          <a:p>
-            <a:pPr marL="0" indent="0" algn="ctr">
-              <a:buNone/>
-            </a:pPr>
-            <a:r>
-              <a:rPr lang="en-GB" sz="3600" i="1" dirty="0" smtClean="0"/>
-              <a:t>“What </a:t>
-            </a:r>
-            <a:r>
-              <a:rPr lang="en-GB" sz="3600" i="1" dirty="0"/>
-              <a:t>if visualizations allowed people to draw their expectations of the data prior to viewing? </a:t>
-            </a:r>
-            <a:r>
-              <a:rPr lang="en-GB" sz="3600" i="1" dirty="0" smtClean="0"/>
-              <a:t>“</a:t>
-            </a:r>
-            <a:endParaRPr lang="en-US" sz="3600" i="1" dirty="0"/>
-          </a:p>
-        </p:txBody>
-      </p:sp>
+      <p:pic>
+        <p:nvPicPr>
+          <p:cNvPr id="5" name="Picture 4"/>
+          <p:cNvPicPr>
+            <a:picLocks noChangeAspect="1"/>
+          </p:cNvPicPr>
+          <p:nvPr/>
+        </p:nvPicPr>
+        <p:blipFill>
+          <a:blip r:embed="rId2">
+            <a:extLst>
+              <a:ext uri="{28A0092B-C50C-407E-A947-70E740481C1C}">
+                <a14:useLocalDpi xmlns:a14="http://schemas.microsoft.com/office/drawing/2010/main" val="0"/>
+              </a:ext>
+            </a:extLst>
+          </a:blip>
+          <a:stretch>
+            <a:fillRect/>
+          </a:stretch>
+        </p:blipFill>
+        <p:spPr>
+          <a:xfrm>
+            <a:off x="0" y="787400"/>
+            <a:ext cx="9144000" cy="5277394"/>
+          </a:xfrm>
+          <a:prstGeom prst="rect">
+            <a:avLst/>
+          </a:prstGeom>
+        </p:spPr>
+      </p:pic>
     </p:spTree>
     <p:extLst>
       <p:ext uri="{BB962C8B-B14F-4D97-AF65-F5344CB8AC3E}">
-        <p14:creationId xmlns:p14="http://schemas.microsoft.com/office/powerpoint/2010/main" val="272620365"/>
+        <p14:creationId xmlns:p14="http://schemas.microsoft.com/office/powerpoint/2010/main" val="1108104872"/>
       </p:ext>
     </p:extLst>
   </p:cSld>
@@ -3716,10 +4253,39 @@
           </a:prstGeom>
         </p:spPr>
       </p:pic>
+      <p:pic>
+        <p:nvPicPr>
+          <p:cNvPr id="3" name="Picture 2"/>
+          <p:cNvPicPr>
+            <a:picLocks noChangeAspect="1"/>
+          </p:cNvPicPr>
+          <p:nvPr/>
+        </p:nvPicPr>
+        <p:blipFill rotWithShape="1">
+          <a:blip r:embed="rId3">
+            <a:extLst>
+              <a:ext uri="{28A0092B-C50C-407E-A947-70E740481C1C}">
+                <a14:useLocalDpi xmlns:a14="http://schemas.microsoft.com/office/drawing/2010/main" val="0"/>
+              </a:ext>
+            </a:extLst>
+          </a:blip>
+          <a:srcRect l="6121" t="7291" r="5894" b="11411"/>
+          <a:stretch/>
+        </p:blipFill>
+        <p:spPr>
+          <a:xfrm>
+            <a:off x="765545" y="1265144"/>
+            <a:ext cx="7857460" cy="3944810"/>
+          </a:xfrm>
+          <a:prstGeom prst="rect">
+            <a:avLst/>
+          </a:prstGeom>
+        </p:spPr>
+      </p:pic>
     </p:spTree>
     <p:extLst>
       <p:ext uri="{BB962C8B-B14F-4D97-AF65-F5344CB8AC3E}">
-        <p14:creationId xmlns:p14="http://schemas.microsoft.com/office/powerpoint/2010/main" val="1108104872"/>
+        <p14:creationId xmlns:p14="http://schemas.microsoft.com/office/powerpoint/2010/main" val="1522596568"/>
       </p:ext>
     </p:extLst>
   </p:cSld>
@@ -3785,7 +4351,7 @@
       </p:pic>
       <p:pic>
         <p:nvPicPr>
-          <p:cNvPr id="3" name="Picture 2"/>
+          <p:cNvPr id="4" name="Picture 3"/>
           <p:cNvPicPr>
             <a:picLocks noChangeAspect="1"/>
           </p:cNvPicPr>
@@ -3799,13 +4365,13 @@
               </a:ext>
             </a:extLst>
           </a:blip>
-          <a:srcRect l="6121" t="7291" r="5894" b="11411"/>
+          <a:srcRect l="8256" t="12288" r="8140" b="11229"/>
           <a:stretch/>
         </p:blipFill>
         <p:spPr>
           <a:xfrm>
-            <a:off x="765545" y="1265144"/>
-            <a:ext cx="7857460" cy="3944810"/>
+            <a:off x="749595" y="1262204"/>
+            <a:ext cx="7841512" cy="3937117"/>
           </a:xfrm>
           <a:prstGeom prst="rect">
             <a:avLst/>
@@ -3815,7 +4381,7 @@
     </p:spTree>
     <p:extLst>
       <p:ext uri="{BB962C8B-B14F-4D97-AF65-F5344CB8AC3E}">
-        <p14:creationId xmlns:p14="http://schemas.microsoft.com/office/powerpoint/2010/main" val="1522596568"/>
+        <p14:creationId xmlns:p14="http://schemas.microsoft.com/office/powerpoint/2010/main" val="1059751547"/>
       </p:ext>
     </p:extLst>
   </p:cSld>
@@ -3849,69 +4415,389 @@
           <a:chExt cx="0" cy="0"/>
         </a:xfrm>
       </p:grpSpPr>
-      <p:pic>
-        <p:nvPicPr>
-          <p:cNvPr id="5" name="Picture 4"/>
-          <p:cNvPicPr>
-            <a:picLocks noChangeAspect="1"/>
-          </p:cNvPicPr>
+      <p:cxnSp>
+        <p:nvCxnSpPr>
+          <p:cNvPr id="5" name="Straight Arrow Connector 4"/>
+          <p:cNvCxnSpPr/>
           <p:nvPr/>
-        </p:nvPicPr>
-        <p:blipFill>
-          <a:blip r:embed="rId2">
-            <a:extLst>
-              <a:ext uri="{28A0092B-C50C-407E-A947-70E740481C1C}">
-                <a14:useLocalDpi xmlns:a14="http://schemas.microsoft.com/office/drawing/2010/main" val="0"/>
-              </a:ext>
-            </a:extLst>
-          </a:blip>
-          <a:stretch>
-            <a:fillRect/>
-          </a:stretch>
-        </p:blipFill>
-        <p:spPr>
-          <a:xfrm>
-            <a:off x="0" y="787400"/>
-            <a:ext cx="9144000" cy="5277394"/>
+        </p:nvCxnSpPr>
+        <p:spPr>
+          <a:xfrm>
+            <a:off x="606056" y="4189228"/>
+            <a:ext cx="8006316" cy="0"/>
+          </a:xfrm>
+          <a:prstGeom prst="straightConnector1">
+            <a:avLst/>
+          </a:prstGeom>
+          <a:ln w="28575">
+            <a:solidFill>
+              <a:schemeClr val="tx1">
+                <a:lumMod val="65000"/>
+                <a:lumOff val="35000"/>
+              </a:schemeClr>
+            </a:solidFill>
+            <a:tailEnd type="triangle"/>
+          </a:ln>
+        </p:spPr>
+        <p:style>
+          <a:lnRef idx="1">
+            <a:schemeClr val="accent1"/>
+          </a:lnRef>
+          <a:fillRef idx="0">
+            <a:schemeClr val="accent1"/>
+          </a:fillRef>
+          <a:effectRef idx="0">
+            <a:schemeClr val="accent1"/>
+          </a:effectRef>
+          <a:fontRef idx="minor">
+            <a:schemeClr val="tx1"/>
+          </a:fontRef>
+        </p:style>
+      </p:cxnSp>
+      <p:sp>
+        <p:nvSpPr>
+          <p:cNvPr id="6" name="Oval 5"/>
+          <p:cNvSpPr/>
+          <p:nvPr/>
+        </p:nvSpPr>
+        <p:spPr>
+          <a:xfrm>
+            <a:off x="1127050" y="4077586"/>
+            <a:ext cx="223284" cy="223284"/>
+          </a:xfrm>
+          <a:prstGeom prst="ellipse">
+            <a:avLst/>
+          </a:prstGeom>
+          <a:solidFill>
+            <a:schemeClr val="tx1">
+              <a:lumMod val="65000"/>
+              <a:lumOff val="35000"/>
+            </a:schemeClr>
+          </a:solidFill>
+          <a:ln>
+            <a:solidFill>
+              <a:schemeClr val="tx1">
+                <a:lumMod val="65000"/>
+                <a:lumOff val="35000"/>
+              </a:schemeClr>
+            </a:solidFill>
+          </a:ln>
+        </p:spPr>
+        <p:style>
+          <a:lnRef idx="2">
+            <a:schemeClr val="accent1">
+              <a:shade val="50000"/>
+            </a:schemeClr>
+          </a:lnRef>
+          <a:fillRef idx="1">
+            <a:schemeClr val="accent1"/>
+          </a:fillRef>
+          <a:effectRef idx="0">
+            <a:schemeClr val="accent1"/>
+          </a:effectRef>
+          <a:fontRef idx="minor">
+            <a:schemeClr val="lt1"/>
+          </a:fontRef>
+        </p:style>
+        <p:txBody>
+          <a:bodyPr rtlCol="0" anchor="ctr"/>
+          <a:lstStyle/>
+          <a:p>
+            <a:pPr algn="ctr"/>
+            <a:endParaRPr lang="en-US"/>
+          </a:p>
+        </p:txBody>
+      </p:sp>
+      <p:sp>
+        <p:nvSpPr>
+          <p:cNvPr id="7" name="Oval 6"/>
+          <p:cNvSpPr/>
+          <p:nvPr/>
+        </p:nvSpPr>
+        <p:spPr>
+          <a:xfrm>
+            <a:off x="4263655" y="4077586"/>
+            <a:ext cx="223284" cy="223284"/>
+          </a:xfrm>
+          <a:prstGeom prst="ellipse">
+            <a:avLst/>
+          </a:prstGeom>
+          <a:solidFill>
+            <a:schemeClr val="tx1">
+              <a:lumMod val="65000"/>
+              <a:lumOff val="35000"/>
+            </a:schemeClr>
+          </a:solidFill>
+          <a:ln>
+            <a:solidFill>
+              <a:schemeClr val="tx1">
+                <a:lumMod val="65000"/>
+                <a:lumOff val="35000"/>
+              </a:schemeClr>
+            </a:solidFill>
+          </a:ln>
+        </p:spPr>
+        <p:style>
+          <a:lnRef idx="2">
+            <a:schemeClr val="accent1">
+              <a:shade val="50000"/>
+            </a:schemeClr>
+          </a:lnRef>
+          <a:fillRef idx="1">
+            <a:schemeClr val="accent1"/>
+          </a:fillRef>
+          <a:effectRef idx="0">
+            <a:schemeClr val="accent1"/>
+          </a:effectRef>
+          <a:fontRef idx="minor">
+            <a:schemeClr val="lt1"/>
+          </a:fontRef>
+        </p:style>
+        <p:txBody>
+          <a:bodyPr rtlCol="0" anchor="ctr"/>
+          <a:lstStyle/>
+          <a:p>
+            <a:pPr algn="ctr"/>
+            <a:endParaRPr lang="en-US"/>
+          </a:p>
+        </p:txBody>
+      </p:sp>
+      <p:sp>
+        <p:nvSpPr>
+          <p:cNvPr id="8" name="Oval 7"/>
+          <p:cNvSpPr/>
+          <p:nvPr/>
+        </p:nvSpPr>
+        <p:spPr>
+          <a:xfrm>
+            <a:off x="7400259" y="4077586"/>
+            <a:ext cx="223284" cy="223284"/>
+          </a:xfrm>
+          <a:prstGeom prst="ellipse">
+            <a:avLst/>
+          </a:prstGeom>
+          <a:solidFill>
+            <a:schemeClr val="tx1">
+              <a:lumMod val="65000"/>
+              <a:lumOff val="35000"/>
+            </a:schemeClr>
+          </a:solidFill>
+          <a:ln>
+            <a:solidFill>
+              <a:schemeClr val="tx1">
+                <a:lumMod val="65000"/>
+                <a:lumOff val="35000"/>
+              </a:schemeClr>
+            </a:solidFill>
+          </a:ln>
+        </p:spPr>
+        <p:style>
+          <a:lnRef idx="2">
+            <a:schemeClr val="accent1">
+              <a:shade val="50000"/>
+            </a:schemeClr>
+          </a:lnRef>
+          <a:fillRef idx="1">
+            <a:schemeClr val="accent1"/>
+          </a:fillRef>
+          <a:effectRef idx="0">
+            <a:schemeClr val="accent1"/>
+          </a:effectRef>
+          <a:fontRef idx="minor">
+            <a:schemeClr val="lt1"/>
+          </a:fontRef>
+        </p:style>
+        <p:txBody>
+          <a:bodyPr rtlCol="0" anchor="ctr"/>
+          <a:lstStyle/>
+          <a:p>
+            <a:pPr algn="ctr"/>
+            <a:endParaRPr lang="en-US"/>
+          </a:p>
+        </p:txBody>
+      </p:sp>
+      <p:sp>
+        <p:nvSpPr>
+          <p:cNvPr id="10" name="Rectangle 9"/>
+          <p:cNvSpPr/>
+          <p:nvPr/>
+        </p:nvSpPr>
+        <p:spPr>
+          <a:xfrm>
+            <a:off x="-10634" y="4417828"/>
+            <a:ext cx="2498651" cy="830997"/>
           </a:xfrm>
           <a:prstGeom prst="rect">
             <a:avLst/>
           </a:prstGeom>
         </p:spPr>
-      </p:pic>
-      <p:pic>
-        <p:nvPicPr>
-          <p:cNvPr id="4" name="Picture 3"/>
-          <p:cNvPicPr>
-            <a:picLocks noChangeAspect="1"/>
-          </p:cNvPicPr>
+        <p:txBody>
+          <a:bodyPr wrap="square" anchor="t">
+            <a:spAutoFit/>
+          </a:bodyPr>
+          <a:lstStyle/>
+          <a:p>
+            <a:pPr algn="ctr">
+              <a:lnSpc>
+                <a:spcPct val="150000"/>
+              </a:lnSpc>
+            </a:pPr>
+            <a:r>
+              <a:rPr lang="en-US" sz="1600" dirty="0" smtClean="0">
+                <a:latin typeface="Avenir Book" charset="0"/>
+                <a:ea typeface="Avenir Book" charset="0"/>
+                <a:cs typeface="Avenir Book" charset="0"/>
+              </a:rPr>
+              <a:t>Define design space</a:t>
+            </a:r>
+          </a:p>
+          <a:p>
+            <a:pPr algn="ctr">
+              <a:lnSpc>
+                <a:spcPct val="150000"/>
+              </a:lnSpc>
+            </a:pPr>
+            <a:r>
+              <a:rPr lang="en-US" sz="1600" dirty="0" smtClean="0">
+                <a:latin typeface="Avenir Book" charset="0"/>
+                <a:ea typeface="Avenir Book" charset="0"/>
+                <a:cs typeface="Avenir Book" charset="0"/>
+              </a:rPr>
+              <a:t>Identify application</a:t>
+            </a:r>
+            <a:endParaRPr lang="en-US" sz="1600" dirty="0">
+              <a:latin typeface="Avenir Book" charset="0"/>
+              <a:ea typeface="Avenir Book" charset="0"/>
+              <a:cs typeface="Avenir Book" charset="0"/>
+            </a:endParaRPr>
+          </a:p>
+        </p:txBody>
+      </p:sp>
+      <p:sp>
+        <p:nvSpPr>
+          <p:cNvPr id="11" name="Rectangle 10"/>
+          <p:cNvSpPr/>
           <p:nvPr/>
-        </p:nvPicPr>
-        <p:blipFill rotWithShape="1">
-          <a:blip r:embed="rId3">
-            <a:extLst>
-              <a:ext uri="{28A0092B-C50C-407E-A947-70E740481C1C}">
-                <a14:useLocalDpi xmlns:a14="http://schemas.microsoft.com/office/drawing/2010/main" val="0"/>
-              </a:ext>
-            </a:extLst>
-          </a:blip>
-          <a:srcRect l="8256" t="12288" r="8140" b="11229"/>
-          <a:stretch/>
-        </p:blipFill>
-        <p:spPr>
-          <a:xfrm>
-            <a:off x="749595" y="1262204"/>
-            <a:ext cx="7841512" cy="3937117"/>
+        </p:nvSpPr>
+        <p:spPr>
+          <a:xfrm>
+            <a:off x="6262575" y="4417828"/>
+            <a:ext cx="2498651" cy="461665"/>
           </a:xfrm>
           <a:prstGeom prst="rect">
             <a:avLst/>
           </a:prstGeom>
         </p:spPr>
-      </p:pic>
+        <p:txBody>
+          <a:bodyPr wrap="square" anchor="t">
+            <a:spAutoFit/>
+          </a:bodyPr>
+          <a:lstStyle/>
+          <a:p>
+            <a:pPr algn="ctr">
+              <a:lnSpc>
+                <a:spcPct val="150000"/>
+              </a:lnSpc>
+            </a:pPr>
+            <a:r>
+              <a:rPr lang="en-US" sz="1600" dirty="0" smtClean="0">
+                <a:latin typeface="Avenir Book" charset="0"/>
+                <a:ea typeface="Avenir Book" charset="0"/>
+                <a:cs typeface="Avenir Book" charset="0"/>
+              </a:rPr>
+              <a:t>Validate effects</a:t>
+            </a:r>
+            <a:endParaRPr lang="en-US" sz="1600" dirty="0">
+              <a:latin typeface="Avenir Book" charset="0"/>
+              <a:ea typeface="Avenir Book" charset="0"/>
+              <a:cs typeface="Avenir Book" charset="0"/>
+            </a:endParaRPr>
+          </a:p>
+        </p:txBody>
+      </p:sp>
+      <p:sp>
+        <p:nvSpPr>
+          <p:cNvPr id="12" name="Rectangle 11"/>
+          <p:cNvSpPr/>
+          <p:nvPr/>
+        </p:nvSpPr>
+        <p:spPr>
+          <a:xfrm>
+            <a:off x="3152554" y="4417828"/>
+            <a:ext cx="2498651" cy="461665"/>
+          </a:xfrm>
+          <a:prstGeom prst="rect">
+            <a:avLst/>
+          </a:prstGeom>
+        </p:spPr>
+        <p:txBody>
+          <a:bodyPr wrap="square" anchor="t">
+            <a:spAutoFit/>
+          </a:bodyPr>
+          <a:lstStyle/>
+          <a:p>
+            <a:pPr algn="ctr">
+              <a:lnSpc>
+                <a:spcPct val="150000"/>
+              </a:lnSpc>
+            </a:pPr>
+            <a:r>
+              <a:rPr lang="en-US" sz="1600" smtClean="0">
+                <a:latin typeface="Avenir Book" charset="0"/>
+                <a:ea typeface="Avenir Book" charset="0"/>
+                <a:cs typeface="Avenir Book" charset="0"/>
+              </a:rPr>
+              <a:t>Building Tools</a:t>
+            </a:r>
+            <a:endParaRPr lang="en-US" sz="1600" dirty="0">
+              <a:latin typeface="Avenir Book" charset="0"/>
+              <a:ea typeface="Avenir Book" charset="0"/>
+              <a:cs typeface="Avenir Book" charset="0"/>
+            </a:endParaRPr>
+          </a:p>
+        </p:txBody>
+      </p:sp>
+      <p:sp>
+        <p:nvSpPr>
+          <p:cNvPr id="2" name="Rectangle 1"/>
+          <p:cNvSpPr/>
+          <p:nvPr/>
+        </p:nvSpPr>
+        <p:spPr>
+          <a:xfrm>
+            <a:off x="6908599" y="621636"/>
+            <a:ext cx="1567096" cy="584775"/>
+          </a:xfrm>
+          <a:prstGeom prst="rect">
+            <a:avLst/>
+          </a:prstGeom>
+        </p:spPr>
+        <p:txBody>
+          <a:bodyPr wrap="none">
+            <a:spAutoFit/>
+          </a:bodyPr>
+          <a:lstStyle/>
+          <a:p>
+            <a:r>
+              <a:rPr lang="en-GB" sz="3200" i="1" dirty="0" smtClean="0">
+                <a:latin typeface="Avenir Book" charset="0"/>
+                <a:ea typeface="Avenir Book" charset="0"/>
+                <a:cs typeface="Avenir Book" charset="0"/>
+              </a:rPr>
+              <a:t>Process</a:t>
+            </a:r>
+            <a:endParaRPr lang="en-US" sz="3200" dirty="0">
+              <a:latin typeface="Avenir Book" charset="0"/>
+              <a:ea typeface="Avenir Book" charset="0"/>
+              <a:cs typeface="Avenir Book" charset="0"/>
+            </a:endParaRPr>
+          </a:p>
+        </p:txBody>
+      </p:sp>
     </p:spTree>
     <p:extLst>
       <p:ext uri="{BB962C8B-B14F-4D97-AF65-F5344CB8AC3E}">
-        <p14:creationId xmlns:p14="http://schemas.microsoft.com/office/powerpoint/2010/main" val="1059751547"/>
+        <p14:creationId xmlns:p14="http://schemas.microsoft.com/office/powerpoint/2010/main" val="180875200"/>
       </p:ext>
     </p:extLst>
   </p:cSld>
@@ -4374,7 +5260,7 @@
         </p:nvSpPr>
         <p:spPr>
           <a:xfrm>
-            <a:off x="-10634" y="4502888"/>
+            <a:off x="-10634" y="4417828"/>
             <a:ext cx="2498651" cy="830997"/>
           </a:xfrm>
           <a:prstGeom prst="rect">
@@ -4382,7 +5268,7 @@
           </a:prstGeom>
         </p:spPr>
         <p:txBody>
-          <a:bodyPr wrap="square">
+          <a:bodyPr wrap="square" anchor="t">
             <a:spAutoFit/>
           </a:bodyPr>
           <a:lstStyle/>
@@ -4439,7 +5325,7 @@
           </a:prstGeom>
         </p:spPr>
         <p:txBody>
-          <a:bodyPr wrap="square">
+          <a:bodyPr wrap="square" anchor="t">
             <a:spAutoFit/>
           </a:bodyPr>
           <a:lstStyle/>
@@ -4473,7 +5359,7 @@
         </p:nvSpPr>
         <p:spPr>
           <a:xfrm>
-            <a:off x="3152554" y="4586545"/>
+            <a:off x="3152554" y="4417828"/>
             <a:ext cx="2498651" cy="461665"/>
           </a:xfrm>
           <a:prstGeom prst="rect">
@@ -4481,7 +5367,7 @@
           </a:prstGeom>
         </p:spPr>
         <p:txBody>
-          <a:bodyPr wrap="square">
+          <a:bodyPr wrap="square" anchor="t">
             <a:spAutoFit/>
           </a:bodyPr>
           <a:lstStyle/>
@@ -4569,43 +5455,22 @@
                 <a:ea typeface="Avenir Book" charset="0"/>
                 <a:cs typeface="Avenir Book" charset="0"/>
               </a:rPr>
-              <a:t>Visualizing true </a:t>
-            </a:r>
+              <a:t>Visualizing true data</a:t>
+            </a:r>
+          </a:p>
+          <a:p>
+            <a:pPr algn="ctr">
+              <a:lnSpc>
+                <a:spcPct val="150000"/>
+              </a:lnSpc>
+            </a:pPr>
             <a:r>
               <a:rPr lang="en-US" sz="1600" dirty="0" smtClean="0">
                 <a:latin typeface="Avenir Book" charset="0"/>
                 <a:ea typeface="Avenir Book" charset="0"/>
                 <a:cs typeface="Avenir Book" charset="0"/>
               </a:rPr>
-              <a:t>data</a:t>
-            </a:r>
-            <a:endParaRPr lang="en-US" sz="1600" dirty="0" smtClean="0">
-              <a:latin typeface="Avenir Book" charset="0"/>
-              <a:ea typeface="Avenir Book" charset="0"/>
-              <a:cs typeface="Avenir Book" charset="0"/>
-            </a:endParaRPr>
-          </a:p>
-          <a:p>
-            <a:pPr algn="ctr">
-              <a:lnSpc>
-                <a:spcPct val="150000"/>
-              </a:lnSpc>
-            </a:pPr>
-            <a:r>
-              <a:rPr lang="en-US" sz="1600" dirty="0" smtClean="0">
-                <a:latin typeface="Avenir Book" charset="0"/>
-                <a:ea typeface="Avenir Book" charset="0"/>
-                <a:cs typeface="Avenir Book" charset="0"/>
-              </a:rPr>
-              <a:t>Visualizing aggregated </a:t>
-            </a:r>
-            <a:r>
-              <a:rPr lang="en-US" sz="1600" dirty="0" smtClean="0">
-                <a:latin typeface="Avenir Book" charset="0"/>
-                <a:ea typeface="Avenir Book" charset="0"/>
-                <a:cs typeface="Avenir Book" charset="0"/>
-              </a:rPr>
-              <a:t>data</a:t>
+              <a:t>Visualizing aggregated data</a:t>
             </a:r>
           </a:p>
           <a:p>
@@ -4622,7 +5487,40 @@
               </a:rPr>
               <a:t>Annotating personalized feedback</a:t>
             </a:r>
-            <a:endParaRPr lang="en-US" sz="1600" dirty="0" smtClean="0">
+          </a:p>
+        </p:txBody>
+      </p:sp>
+      <p:sp>
+        <p:nvSpPr>
+          <p:cNvPr id="14" name="Rectangle 13"/>
+          <p:cNvSpPr/>
+          <p:nvPr/>
+        </p:nvSpPr>
+        <p:spPr>
+          <a:xfrm>
+            <a:off x="6908599" y="621636"/>
+            <a:ext cx="1330814" cy="584775"/>
+          </a:xfrm>
+          <a:prstGeom prst="rect">
+            <a:avLst/>
+          </a:prstGeom>
+        </p:spPr>
+        <p:txBody>
+          <a:bodyPr wrap="none">
+            <a:spAutoFit/>
+          </a:bodyPr>
+          <a:lstStyle/>
+          <a:p>
+            <a:pPr algn="r"/>
+            <a:r>
+              <a:rPr lang="en-GB" sz="3200" i="1" dirty="0" smtClean="0">
+                <a:latin typeface="Avenir Book" charset="0"/>
+                <a:ea typeface="Avenir Book" charset="0"/>
+                <a:cs typeface="Avenir Book" charset="0"/>
+              </a:rPr>
+              <a:t>Scope</a:t>
+            </a:r>
+            <a:endParaRPr lang="en-US" sz="3200" dirty="0">
               <a:latin typeface="Avenir Book" charset="0"/>
               <a:ea typeface="Avenir Book" charset="0"/>
               <a:cs typeface="Avenir Book" charset="0"/>
@@ -4633,7 +5531,7 @@
     </p:spTree>
     <p:extLst>
       <p:ext uri="{BB962C8B-B14F-4D97-AF65-F5344CB8AC3E}">
-        <p14:creationId xmlns:p14="http://schemas.microsoft.com/office/powerpoint/2010/main" val="180875200"/>
+        <p14:creationId xmlns:p14="http://schemas.microsoft.com/office/powerpoint/2010/main" val="891112180"/>
       </p:ext>
     </p:extLst>
   </p:cSld>
@@ -4667,77 +5565,326 @@
           <a:chExt cx="0" cy="0"/>
         </a:xfrm>
       </p:grpSpPr>
-      <p:sp>
-        <p:nvSpPr>
-          <p:cNvPr id="2" name="Title 1"/>
-          <p:cNvSpPr>
-            <a:spLocks noGrp="1"/>
-          </p:cNvSpPr>
-          <p:nvPr>
-            <p:ph type="title"/>
-          </p:nvPr>
-        </p:nvSpPr>
-        <p:spPr/>
-        <p:txBody>
-          <a:bodyPr/>
-          <a:lstStyle/>
-          <a:p>
-            <a:endParaRPr lang="en-US"/>
-          </a:p>
-        </p:txBody>
-      </p:sp>
-      <p:sp>
-        <p:nvSpPr>
-          <p:cNvPr id="3" name="Content Placeholder 2"/>
-          <p:cNvSpPr>
-            <a:spLocks noGrp="1"/>
-          </p:cNvSpPr>
-          <p:nvPr>
-            <p:ph idx="1"/>
-          </p:nvPr>
-        </p:nvSpPr>
-        <p:spPr/>
-        <p:txBody>
-          <a:bodyPr/>
-          <a:lstStyle/>
-          <a:p>
-            <a:r>
-              <a:rPr lang="en-US" b="1" dirty="0">
+      <p:pic>
+        <p:nvPicPr>
+          <p:cNvPr id="6" name="Picture 5"/>
+          <p:cNvPicPr>
+            <a:picLocks noChangeAspect="1"/>
+          </p:cNvPicPr>
+          <p:nvPr/>
+        </p:nvPicPr>
+        <p:blipFill>
+          <a:blip r:embed="rId2">
+            <a:extLst>
+              <a:ext uri="{28A0092B-C50C-407E-A947-70E740481C1C}">
+                <a14:useLocalDpi xmlns:a14="http://schemas.microsoft.com/office/drawing/2010/main" val="0"/>
+              </a:ext>
+            </a:extLst>
+          </a:blip>
+          <a:stretch>
+            <a:fillRect/>
+          </a:stretch>
+        </p:blipFill>
+        <p:spPr>
+          <a:xfrm>
+            <a:off x="363625" y="1427049"/>
+            <a:ext cx="4290644" cy="2413487"/>
+          </a:xfrm>
+          <a:prstGeom prst="rect">
+            <a:avLst/>
+          </a:prstGeom>
+        </p:spPr>
+      </p:pic>
+      <p:pic>
+        <p:nvPicPr>
+          <p:cNvPr id="8" name="Picture 7"/>
+          <p:cNvPicPr>
+            <a:picLocks noChangeAspect="1"/>
+          </p:cNvPicPr>
+          <p:nvPr/>
+        </p:nvPicPr>
+        <p:blipFill>
+          <a:blip r:embed="rId3">
+            <a:extLst>
+              <a:ext uri="{28A0092B-C50C-407E-A947-70E740481C1C}">
+                <a14:useLocalDpi xmlns:a14="http://schemas.microsoft.com/office/drawing/2010/main" val="0"/>
+              </a:ext>
+            </a:extLst>
+          </a:blip>
+          <a:stretch>
+            <a:fillRect/>
+          </a:stretch>
+        </p:blipFill>
+        <p:spPr>
+          <a:xfrm>
+            <a:off x="4456699" y="1427048"/>
+            <a:ext cx="4290644" cy="2413487"/>
+          </a:xfrm>
+          <a:prstGeom prst="rect">
+            <a:avLst/>
+          </a:prstGeom>
+        </p:spPr>
+      </p:pic>
+      <p:pic>
+        <p:nvPicPr>
+          <p:cNvPr id="9" name="Picture 8"/>
+          <p:cNvPicPr>
+            <a:picLocks noChangeAspect="1"/>
+          </p:cNvPicPr>
+          <p:nvPr/>
+        </p:nvPicPr>
+        <p:blipFill>
+          <a:blip r:embed="rId4">
+            <a:extLst>
+              <a:ext uri="{28A0092B-C50C-407E-A947-70E740481C1C}">
+                <a14:useLocalDpi xmlns:a14="http://schemas.microsoft.com/office/drawing/2010/main" val="0"/>
+              </a:ext>
+            </a:extLst>
+          </a:blip>
+          <a:stretch>
+            <a:fillRect/>
+          </a:stretch>
+        </p:blipFill>
+        <p:spPr>
+          <a:xfrm>
+            <a:off x="363625" y="3891064"/>
+            <a:ext cx="4290644" cy="2413487"/>
+          </a:xfrm>
+          <a:prstGeom prst="rect">
+            <a:avLst/>
+          </a:prstGeom>
+        </p:spPr>
+      </p:pic>
+      <p:pic>
+        <p:nvPicPr>
+          <p:cNvPr id="10" name="Picture 9"/>
+          <p:cNvPicPr>
+            <a:picLocks noChangeAspect="1"/>
+          </p:cNvPicPr>
+          <p:nvPr/>
+        </p:nvPicPr>
+        <p:blipFill>
+          <a:blip r:embed="rId5">
+            <a:extLst>
+              <a:ext uri="{28A0092B-C50C-407E-A947-70E740481C1C}">
+                <a14:useLocalDpi xmlns:a14="http://schemas.microsoft.com/office/drawing/2010/main" val="0"/>
+              </a:ext>
+            </a:extLst>
+          </a:blip>
+          <a:stretch>
+            <a:fillRect/>
+          </a:stretch>
+        </p:blipFill>
+        <p:spPr>
+          <a:xfrm>
+            <a:off x="4456699" y="3891064"/>
+            <a:ext cx="4290644" cy="2413487"/>
+          </a:xfrm>
+          <a:prstGeom prst="rect">
+            <a:avLst/>
+          </a:prstGeom>
+        </p:spPr>
+      </p:pic>
+      <p:sp>
+        <p:nvSpPr>
+          <p:cNvPr id="12" name="Rectangle 11"/>
+          <p:cNvSpPr/>
+          <p:nvPr/>
+        </p:nvSpPr>
+        <p:spPr>
+          <a:xfrm>
+            <a:off x="738589" y="1663628"/>
+            <a:ext cx="312906" cy="369332"/>
+          </a:xfrm>
+          <a:prstGeom prst="rect">
+            <a:avLst/>
+          </a:prstGeom>
+          <a:solidFill>
+            <a:srgbClr val="7F7F7F">
+              <a:alpha val="61176"/>
+            </a:srgbClr>
+          </a:solidFill>
+        </p:spPr>
+        <p:txBody>
+          <a:bodyPr wrap="none">
+            <a:spAutoFit/>
+          </a:bodyPr>
+          <a:lstStyle/>
+          <a:p>
+            <a:r>
+              <a:rPr lang="en-US" b="1" dirty="0" smtClean="0">
                 <a:latin typeface="Avenir Book" charset="0"/>
                 <a:ea typeface="Avenir Book" charset="0"/>
                 <a:cs typeface="Avenir Book" charset="0"/>
               </a:rPr>
-              <a:t>Your current progress.</a:t>
-            </a:r>
-            <a:r>
-              <a:rPr lang="en-US" dirty="0">
+              <a:t>1</a:t>
+            </a:r>
+            <a:endParaRPr lang="en-US" dirty="0"/>
+          </a:p>
+        </p:txBody>
+      </p:sp>
+      <p:sp>
+        <p:nvSpPr>
+          <p:cNvPr id="13" name="Rectangle 12"/>
+          <p:cNvSpPr/>
+          <p:nvPr/>
+        </p:nvSpPr>
+        <p:spPr>
+          <a:xfrm>
+            <a:off x="4831663" y="1663628"/>
+            <a:ext cx="312906" cy="369332"/>
+          </a:xfrm>
+          <a:prstGeom prst="rect">
+            <a:avLst/>
+          </a:prstGeom>
+          <a:solidFill>
+            <a:srgbClr val="7F7F7F">
+              <a:alpha val="61176"/>
+            </a:srgbClr>
+          </a:solidFill>
+        </p:spPr>
+        <p:txBody>
+          <a:bodyPr wrap="none">
+            <a:spAutoFit/>
+          </a:bodyPr>
+          <a:lstStyle/>
+          <a:p>
+            <a:r>
+              <a:rPr lang="en-US" b="1" dirty="0" smtClean="0">
                 <a:latin typeface="Avenir Book" charset="0"/>
                 <a:ea typeface="Avenir Book" charset="0"/>
                 <a:cs typeface="Avenir Book" charset="0"/>
               </a:rPr>
-              <a:t> Use sketches, storyboards, and/or prototype images to communicate your ideas.</a:t>
+              <a:t>2</a:t>
             </a:r>
             <a:endParaRPr lang="en-US" dirty="0"/>
+          </a:p>
+        </p:txBody>
+      </p:sp>
+      <p:sp>
+        <p:nvSpPr>
+          <p:cNvPr id="14" name="Rectangle 13"/>
+          <p:cNvSpPr/>
+          <p:nvPr/>
+        </p:nvSpPr>
+        <p:spPr>
+          <a:xfrm>
+            <a:off x="738589" y="4126533"/>
+            <a:ext cx="312906" cy="369332"/>
+          </a:xfrm>
+          <a:prstGeom prst="rect">
+            <a:avLst/>
+          </a:prstGeom>
+          <a:solidFill>
+            <a:srgbClr val="7F7F7F">
+              <a:alpha val="61176"/>
+            </a:srgbClr>
+          </a:solidFill>
+        </p:spPr>
+        <p:txBody>
+          <a:bodyPr wrap="none">
+            <a:spAutoFit/>
+          </a:bodyPr>
+          <a:lstStyle/>
+          <a:p>
+            <a:r>
+              <a:rPr lang="en-US" b="1" dirty="0" smtClean="0">
+                <a:latin typeface="Avenir Book" charset="0"/>
+                <a:ea typeface="Avenir Book" charset="0"/>
+                <a:cs typeface="Avenir Book" charset="0"/>
+              </a:rPr>
+              <a:t>3</a:t>
+            </a:r>
+            <a:endParaRPr lang="en-US" dirty="0"/>
+          </a:p>
+        </p:txBody>
+      </p:sp>
+      <p:sp>
+        <p:nvSpPr>
+          <p:cNvPr id="15" name="Rectangle 14"/>
+          <p:cNvSpPr/>
+          <p:nvPr/>
+        </p:nvSpPr>
+        <p:spPr>
+          <a:xfrm>
+            <a:off x="4831663" y="4126533"/>
+            <a:ext cx="312906" cy="369332"/>
+          </a:xfrm>
+          <a:prstGeom prst="rect">
+            <a:avLst/>
+          </a:prstGeom>
+          <a:solidFill>
+            <a:srgbClr val="7F7F7F">
+              <a:alpha val="61176"/>
+            </a:srgbClr>
+          </a:solidFill>
+        </p:spPr>
+        <p:txBody>
+          <a:bodyPr wrap="none">
+            <a:spAutoFit/>
+          </a:bodyPr>
+          <a:lstStyle/>
+          <a:p>
+            <a:r>
+              <a:rPr lang="en-US" b="1" dirty="0" smtClean="0">
+                <a:latin typeface="Avenir Book" charset="0"/>
+                <a:ea typeface="Avenir Book" charset="0"/>
+                <a:cs typeface="Avenir Book" charset="0"/>
+              </a:rPr>
+              <a:t>4</a:t>
+            </a:r>
+            <a:endParaRPr lang="en-US" dirty="0"/>
+          </a:p>
+        </p:txBody>
+      </p:sp>
+      <p:sp>
+        <p:nvSpPr>
+          <p:cNvPr id="16" name="Rectangle 15"/>
+          <p:cNvSpPr/>
+          <p:nvPr/>
+        </p:nvSpPr>
+        <p:spPr>
+          <a:xfrm>
+            <a:off x="3721188" y="621636"/>
+            <a:ext cx="4518225" cy="584775"/>
+          </a:xfrm>
+          <a:prstGeom prst="rect">
+            <a:avLst/>
+          </a:prstGeom>
+        </p:spPr>
+        <p:txBody>
+          <a:bodyPr wrap="none">
+            <a:spAutoFit/>
+          </a:bodyPr>
+          <a:lstStyle/>
+          <a:p>
+            <a:pPr algn="r"/>
+            <a:r>
+              <a:rPr lang="en-GB" sz="3200" i="1" dirty="0" smtClean="0">
+                <a:latin typeface="Avenir Book" charset="0"/>
+                <a:ea typeface="Avenir Book" charset="0"/>
+                <a:cs typeface="Avenir Book" charset="0"/>
+              </a:rPr>
+              <a:t>Storyboard – Line Chart</a:t>
+            </a:r>
+            <a:endParaRPr lang="en-US" sz="3200" dirty="0">
+              <a:latin typeface="Avenir Book" charset="0"/>
+              <a:ea typeface="Avenir Book" charset="0"/>
+              <a:cs typeface="Avenir Book" charset="0"/>
+            </a:endParaRPr>
           </a:p>
         </p:txBody>
       </p:sp>
     </p:spTree>
     <p:extLst>
       <p:ext uri="{BB962C8B-B14F-4D97-AF65-F5344CB8AC3E}">
-        <p14:creationId xmlns:p14="http://schemas.microsoft.com/office/powerpoint/2010/main" val="1677908061"/>
+        <p14:creationId xmlns:p14="http://schemas.microsoft.com/office/powerpoint/2010/main" val="1311975710"/>
       </p:ext>
     </p:extLst>
   </p:cSld>
   <p:clrMapOvr>
     <a:masterClrMapping/>
   </p:clrMapOvr>
-  <p:timing>
-    <p:tnLst>
-      <p:par>
-        <p:cTn id="1" dur="indefinite" restart="never" nodeType="tmRoot"/>
-      </p:par>
-    </p:tnLst>
-  </p:timing>
 </p:sld>
 </file>
 
